--- a/Vendor_Boards/Great_Cow_Basic_Demo_Board/18Fx6q20_ChipRange_Demonstrations/tutorials/GCBASIC_Part11.pptx
+++ b/Vendor_Boards/Great_Cow_Basic_Demo_Board/18Fx6q20_ChipRange_Demonstrations/tutorials/GCBASIC_Part11.pptx
@@ -5,27 +5,28 @@
     <p:sldMasterId id="2147483648" r:id="rId1"/>
   </p:sldMasterIdLst>
   <p:notesMasterIdLst>
-    <p:notesMasterId r:id="rId17"/>
+    <p:notesMasterId r:id="rId18"/>
   </p:notesMasterIdLst>
   <p:handoutMasterIdLst>
-    <p:handoutMasterId r:id="rId18"/>
+    <p:handoutMasterId r:id="rId19"/>
   </p:handoutMasterIdLst>
   <p:sldIdLst>
     <p:sldId id="305" r:id="rId2"/>
     <p:sldId id="306" r:id="rId3"/>
     <p:sldId id="307" r:id="rId4"/>
     <p:sldId id="308" r:id="rId5"/>
-    <p:sldId id="309" r:id="rId6"/>
-    <p:sldId id="304" r:id="rId7"/>
-    <p:sldId id="302" r:id="rId8"/>
-    <p:sldId id="310" r:id="rId9"/>
-    <p:sldId id="293" r:id="rId10"/>
-    <p:sldId id="295" r:id="rId11"/>
-    <p:sldId id="312" r:id="rId12"/>
-    <p:sldId id="311" r:id="rId13"/>
-    <p:sldId id="297" r:id="rId14"/>
-    <p:sldId id="298" r:id="rId15"/>
-    <p:sldId id="296" r:id="rId16"/>
+    <p:sldId id="304" r:id="rId6"/>
+    <p:sldId id="313" r:id="rId7"/>
+    <p:sldId id="309" r:id="rId8"/>
+    <p:sldId id="302" r:id="rId9"/>
+    <p:sldId id="310" r:id="rId10"/>
+    <p:sldId id="293" r:id="rId11"/>
+    <p:sldId id="295" r:id="rId12"/>
+    <p:sldId id="312" r:id="rId13"/>
+    <p:sldId id="311" r:id="rId14"/>
+    <p:sldId id="297" r:id="rId15"/>
+    <p:sldId id="298" r:id="rId16"/>
+    <p:sldId id="296" r:id="rId17"/>
   </p:sldIdLst>
   <p:sldSz cx="9144000" cy="5143500" type="screen16x9"/>
   <p:notesSz cx="6858000" cy="9144000"/>
@@ -210,7 +211,7 @@
             <a:fld id="{742E545A-AB39-44F0-B5A6-04A90C6C9399}" type="datetimeFigureOut">
               <a:rPr lang="en-GB" smtClean="0"/>
               <a:pPr/>
-              <a:t>13/02/2024</a:t>
+              <a:t>30/10/2024</a:t>
             </a:fld>
             <a:endParaRPr lang="en-GB"/>
           </a:p>
@@ -377,7 +378,7 @@
             <a:fld id="{FF100B3C-2E11-428B-8555-A77018253716}" type="datetimeFigureOut">
               <a:rPr lang="en-GB" smtClean="0"/>
               <a:pPr/>
-              <a:t>13/02/2024</a:t>
+              <a:t>30/10/2024</a:t>
             </a:fld>
             <a:endParaRPr lang="en-GB"/>
           </a:p>
@@ -830,7 +831,7 @@
             <a:fld id="{C473AACB-D821-4991-9D88-46EB8D29E619}" type="datetimeFigureOut">
               <a:rPr lang="en-GB" smtClean="0"/>
               <a:pPr/>
-              <a:t>13/02/2024</a:t>
+              <a:t>30/10/2024</a:t>
             </a:fld>
             <a:endParaRPr lang="en-GB" dirty="0"/>
           </a:p>
@@ -998,7 +999,7 @@
             <a:fld id="{C473AACB-D821-4991-9D88-46EB8D29E619}" type="datetimeFigureOut">
               <a:rPr lang="en-GB" smtClean="0"/>
               <a:pPr/>
-              <a:t>13/02/2024</a:t>
+              <a:t>30/10/2024</a:t>
             </a:fld>
             <a:endParaRPr lang="en-GB" dirty="0"/>
           </a:p>
@@ -1176,7 +1177,7 @@
             <a:fld id="{C473AACB-D821-4991-9D88-46EB8D29E619}" type="datetimeFigureOut">
               <a:rPr lang="en-GB" smtClean="0"/>
               <a:pPr/>
-              <a:t>13/02/2024</a:t>
+              <a:t>30/10/2024</a:t>
             </a:fld>
             <a:endParaRPr lang="en-GB" dirty="0"/>
           </a:p>
@@ -1344,7 +1345,7 @@
             <a:fld id="{C473AACB-D821-4991-9D88-46EB8D29E619}" type="datetimeFigureOut">
               <a:rPr lang="en-GB" smtClean="0"/>
               <a:pPr/>
-              <a:t>13/02/2024</a:t>
+              <a:t>30/10/2024</a:t>
             </a:fld>
             <a:endParaRPr lang="en-GB" dirty="0"/>
           </a:p>
@@ -1588,7 +1589,7 @@
             <a:fld id="{C473AACB-D821-4991-9D88-46EB8D29E619}" type="datetimeFigureOut">
               <a:rPr lang="en-GB" smtClean="0"/>
               <a:pPr/>
-              <a:t>13/02/2024</a:t>
+              <a:t>30/10/2024</a:t>
             </a:fld>
             <a:endParaRPr lang="en-GB" dirty="0"/>
           </a:p>
@@ -1874,7 +1875,7 @@
             <a:fld id="{C473AACB-D821-4991-9D88-46EB8D29E619}" type="datetimeFigureOut">
               <a:rPr lang="en-GB" smtClean="0"/>
               <a:pPr/>
-              <a:t>13/02/2024</a:t>
+              <a:t>30/10/2024</a:t>
             </a:fld>
             <a:endParaRPr lang="en-GB" dirty="0"/>
           </a:p>
@@ -2299,7 +2300,7 @@
             <a:fld id="{C473AACB-D821-4991-9D88-46EB8D29E619}" type="datetimeFigureOut">
               <a:rPr lang="en-GB" smtClean="0"/>
               <a:pPr/>
-              <a:t>13/02/2024</a:t>
+              <a:t>30/10/2024</a:t>
             </a:fld>
             <a:endParaRPr lang="en-GB" dirty="0"/>
           </a:p>
@@ -2415,7 +2416,7 @@
             <a:fld id="{C473AACB-D821-4991-9D88-46EB8D29E619}" type="datetimeFigureOut">
               <a:rPr lang="en-GB" smtClean="0"/>
               <a:pPr/>
-              <a:t>13/02/2024</a:t>
+              <a:t>30/10/2024</a:t>
             </a:fld>
             <a:endParaRPr lang="en-GB" dirty="0"/>
           </a:p>
@@ -2508,7 +2509,7 @@
             <a:fld id="{C473AACB-D821-4991-9D88-46EB8D29E619}" type="datetimeFigureOut">
               <a:rPr lang="en-GB" smtClean="0"/>
               <a:pPr/>
-              <a:t>13/02/2024</a:t>
+              <a:t>30/10/2024</a:t>
             </a:fld>
             <a:endParaRPr lang="en-GB" dirty="0"/>
           </a:p>
@@ -2783,7 +2784,7 @@
             <a:fld id="{C473AACB-D821-4991-9D88-46EB8D29E619}" type="datetimeFigureOut">
               <a:rPr lang="en-GB" smtClean="0"/>
               <a:pPr/>
-              <a:t>13/02/2024</a:t>
+              <a:t>30/10/2024</a:t>
             </a:fld>
             <a:endParaRPr lang="en-GB" dirty="0"/>
           </a:p>
@@ -3034,7 +3035,7 @@
             <a:fld id="{C473AACB-D821-4991-9D88-46EB8D29E619}" type="datetimeFigureOut">
               <a:rPr lang="en-GB" smtClean="0"/>
               <a:pPr/>
-              <a:t>13/02/2024</a:t>
+              <a:t>30/10/2024</a:t>
             </a:fld>
             <a:endParaRPr lang="en-GB" dirty="0"/>
           </a:p>
@@ -3245,7 +3246,7 @@
             <a:fld id="{C473AACB-D821-4991-9D88-46EB8D29E619}" type="datetimeFigureOut">
               <a:rPr lang="en-GB" smtClean="0"/>
               <a:pPr/>
-              <a:t>13/02/2024</a:t>
+              <a:t>30/10/2024</a:t>
             </a:fld>
             <a:endParaRPr lang="en-GB" dirty="0"/>
           </a:p>
@@ -3643,7 +3644,7 @@
             </a:br>
             <a:r>
               <a:rPr lang="en-GB" dirty="0" smtClean="0"/>
-              <a:t>Part 10</a:t>
+              <a:t>Part 11</a:t>
             </a:r>
             <a:endParaRPr lang="en-GB" dirty="0"/>
           </a:p>
@@ -3689,7 +3690,7 @@
             <a:pPr algn="l"/>
             <a:r>
               <a:rPr lang="en-GB" sz="1700" dirty="0" smtClean="0"/>
-              <a:t>February 2024</a:t>
+              <a:t>October 2024</a:t>
             </a:r>
             <a:endParaRPr lang="en-GB" sz="1700" dirty="0"/>
           </a:p>
@@ -3830,8 +3831,8 @@
         </p:nvSpPr>
         <p:spPr>
           <a:xfrm>
-            <a:off x="2740783" y="3304024"/>
-            <a:ext cx="3293146" cy="707886"/>
+            <a:off x="2811478" y="3304024"/>
+            <a:ext cx="3151761" cy="707886"/>
           </a:xfrm>
           <a:prstGeom prst="rect">
             <a:avLst/>
@@ -3861,7 +3862,7 @@
                   <a:srgbClr val="FF0000"/>
                 </a:solidFill>
               </a:rPr>
-              <a:t>Graphical LCD!</a:t>
+              <a:t>I2C discovery!</a:t>
             </a:r>
             <a:endParaRPr lang="en-US" sz="4000" b="1" cap="none" spc="0" dirty="0">
               <a:ln w="10541" cmpd="sng">
@@ -3932,29 +3933,95 @@
         </p:nvSpPr>
         <p:spPr/>
         <p:txBody>
+          <a:bodyPr vert="horz" lIns="85064" tIns="42531" rIns="85064" bIns="42531" rtlCol="0" anchor="ctr">
+            <a:normAutofit/>
+          </a:bodyPr>
+          <a:lstStyle/>
+          <a:p>
+            <a:pPr algn="l"/>
+            <a:r>
+              <a:rPr lang="en-GB" dirty="0" smtClean="0"/>
+              <a:t>Lab</a:t>
+            </a:r>
+          </a:p>
+        </p:txBody>
+      </p:sp>
+      <p:sp>
+        <p:nvSpPr>
+          <p:cNvPr id="4" name="Content Placeholder 2"/>
+          <p:cNvSpPr>
+            <a:spLocks noGrp="1"/>
+          </p:cNvSpPr>
+          <p:nvPr>
+            <p:ph idx="1"/>
+          </p:nvPr>
+        </p:nvSpPr>
+        <p:spPr>
+          <a:xfrm>
+            <a:off x="457202" y="1200151"/>
+            <a:ext cx="8229601" cy="3394472"/>
+          </a:xfrm>
+        </p:spPr>
+        <p:txBody>
           <a:bodyPr/>
           <a:lstStyle/>
           <a:p>
-            <a:endParaRPr lang="en-GB"/>
-          </a:p>
-        </p:txBody>
-      </p:sp>
-      <p:sp>
-        <p:nvSpPr>
-          <p:cNvPr id="3" name="Content Placeholder 2"/>
-          <p:cNvSpPr>
-            <a:spLocks noGrp="1"/>
-          </p:cNvSpPr>
-          <p:nvPr>
-            <p:ph idx="1"/>
-          </p:nvPr>
-        </p:nvSpPr>
-        <p:spPr/>
-        <p:txBody>
-          <a:bodyPr/>
-          <a:lstStyle/>
-          <a:p>
-            <a:endParaRPr lang="en-GB"/>
+            <a:r>
+              <a:rPr lang="en-GB" dirty="0" smtClean="0"/>
+              <a:t>Examine the sample code</a:t>
+            </a:r>
+          </a:p>
+          <a:p>
+            <a:pPr lvl="1"/>
+            <a:r>
+              <a:rPr lang="en-GB" dirty="0" smtClean="0"/>
+              <a:t>Using PPS select the I</a:t>
+            </a:r>
+            <a:r>
+              <a:rPr lang="en-GB" baseline="30000" dirty="0" smtClean="0"/>
+              <a:t>2</a:t>
+            </a:r>
+            <a:r>
+              <a:rPr lang="en-GB" dirty="0" smtClean="0"/>
+              <a:t>C ports</a:t>
+            </a:r>
+          </a:p>
+          <a:p>
+            <a:pPr lvl="1"/>
+            <a:r>
+              <a:rPr lang="en-GB" dirty="0" smtClean="0"/>
+              <a:t>Using PPS select the serial USART port</a:t>
+            </a:r>
+          </a:p>
+          <a:p>
+            <a:pPr lvl="1"/>
+            <a:r>
+              <a:rPr lang="en-GB" dirty="0" smtClean="0"/>
+              <a:t>Set up the I</a:t>
+            </a:r>
+            <a:r>
+              <a:rPr lang="en-GB" baseline="30000" dirty="0" smtClean="0"/>
+              <a:t>2</a:t>
+            </a:r>
+            <a:r>
+              <a:rPr lang="en-GB" dirty="0" smtClean="0"/>
+              <a:t>C </a:t>
+            </a:r>
+          </a:p>
+          <a:p>
+            <a:pPr lvl="1"/>
+            <a:r>
+              <a:rPr lang="en-GB" dirty="0" smtClean="0"/>
+              <a:t>Review the code</a:t>
+            </a:r>
+          </a:p>
+          <a:p>
+            <a:pPr lvl="1"/>
+            <a:r>
+              <a:rPr lang="en-GB" dirty="0" smtClean="0"/>
+              <a:t>See the results</a:t>
+            </a:r>
+            <a:endParaRPr lang="en-GB" dirty="0"/>
           </a:p>
         </p:txBody>
       </p:sp>
@@ -4001,23 +4068,12 @@
             <p:ph type="title"/>
           </p:nvPr>
         </p:nvSpPr>
-        <p:spPr>
-          <a:xfrm>
-            <a:off x="457200" y="-92546"/>
-            <a:ext cx="8229601" cy="857250"/>
-          </a:xfrm>
-        </p:spPr>
-        <p:txBody>
-          <a:bodyPr>
-            <a:normAutofit/>
-          </a:bodyPr>
-          <a:lstStyle/>
-          <a:p>
-            <a:r>
-              <a:rPr lang="en-GB" dirty="0" smtClean="0"/>
-              <a:t>Videos...</a:t>
-            </a:r>
-            <a:endParaRPr lang="en-GB" dirty="0"/>
+        <p:spPr/>
+        <p:txBody>
+          <a:bodyPr/>
+          <a:lstStyle/>
+          <a:p>
+            <a:endParaRPr lang="en-GB"/>
           </a:p>
         </p:txBody>
       </p:sp>
@@ -4031,403 +4087,16 @@
             <p:ph idx="1"/>
           </p:nvPr>
         </p:nvSpPr>
-        <p:spPr>
-          <a:xfrm>
-            <a:off x="467543" y="689049"/>
-            <a:ext cx="8229601" cy="3394472"/>
-          </a:xfrm>
-        </p:spPr>
-        <p:txBody>
-          <a:bodyPr>
-            <a:noAutofit/>
-          </a:bodyPr>
-          <a:lstStyle/>
-          <a:p>
-            <a:pPr marL="478483" indent="-478483">
-              <a:buFont typeface="+mj-lt"/>
-              <a:buAutoNum type="arabicPeriod"/>
-            </a:pPr>
-            <a:r>
-              <a:rPr lang="en-GB" sz="1100" dirty="0" smtClean="0"/>
-              <a:t>Install the </a:t>
-            </a:r>
-            <a:r>
-              <a:rPr lang="en-GB" sz="1100" b="1" dirty="0" smtClean="0"/>
-              <a:t>hardware</a:t>
-            </a:r>
-            <a:r>
-              <a:rPr lang="en-GB" sz="1100" dirty="0" smtClean="0"/>
-              <a:t> and make the board work – three </a:t>
-            </a:r>
-            <a:r>
-              <a:rPr lang="en-GB" sz="1100" b="1" dirty="0" smtClean="0"/>
-              <a:t>LED</a:t>
-            </a:r>
-            <a:r>
-              <a:rPr lang="en-GB" sz="1100" dirty="0" smtClean="0"/>
-              <a:t> programs</a:t>
-            </a:r>
-          </a:p>
-          <a:p>
-            <a:pPr marL="478483" indent="-478483">
-              <a:buFont typeface="+mj-lt"/>
-              <a:buAutoNum type="arabicPeriod"/>
-            </a:pPr>
-            <a:r>
-              <a:rPr lang="en-GB" sz="1100" dirty="0" smtClean="0"/>
-              <a:t>Make  four LEDs flash in a </a:t>
-            </a:r>
-            <a:r>
-              <a:rPr lang="en-GB" sz="1100" b="1" dirty="0" smtClean="0"/>
-              <a:t>sequence</a:t>
-            </a:r>
-          </a:p>
-          <a:p>
-            <a:pPr marL="478483" indent="-478483">
-              <a:buFont typeface="+mj-lt"/>
-              <a:buAutoNum type="arabicPeriod"/>
-            </a:pPr>
-            <a:r>
-              <a:rPr lang="en-GB" sz="1100" dirty="0" smtClean="0"/>
-              <a:t>Set the LEDs to represent the value of </a:t>
-            </a:r>
-            <a:r>
-              <a:rPr lang="en-GB" sz="1100" b="1" dirty="0" smtClean="0"/>
-              <a:t>ADC</a:t>
-            </a:r>
-          </a:p>
-          <a:p>
-            <a:pPr marL="478483" indent="-478483">
-              <a:buFont typeface="+mj-lt"/>
-              <a:buAutoNum type="arabicPeriod"/>
-            </a:pPr>
-            <a:r>
-              <a:rPr lang="en-GB" sz="1100" dirty="0" smtClean="0"/>
-              <a:t>Sequence the LEDs with a </a:t>
-            </a:r>
-            <a:r>
-              <a:rPr lang="en-GB" sz="1100" b="1" dirty="0" smtClean="0"/>
-              <a:t>delay</a:t>
-            </a:r>
-            <a:r>
-              <a:rPr lang="en-GB" sz="1100" dirty="0" smtClean="0"/>
-              <a:t> using the value of ADC</a:t>
-            </a:r>
-          </a:p>
-          <a:p>
-            <a:pPr marL="478483" indent="-478483">
-              <a:buFont typeface="+mj-lt"/>
-              <a:buAutoNum type="arabicPeriod"/>
-            </a:pPr>
-            <a:r>
-              <a:rPr lang="en-GB" sz="1100" dirty="0" smtClean="0"/>
-              <a:t>Using an </a:t>
-            </a:r>
-            <a:r>
-              <a:rPr lang="en-GB" sz="1100" b="1" dirty="0" smtClean="0"/>
-              <a:t>input</a:t>
-            </a:r>
-            <a:r>
-              <a:rPr lang="en-GB" sz="1100" dirty="0" smtClean="0"/>
-              <a:t> to set the state of the LEDs</a:t>
-            </a:r>
-          </a:p>
-          <a:p>
-            <a:pPr marL="478483" indent="-478483">
-              <a:buFont typeface="+mj-lt"/>
-              <a:buAutoNum type="arabicPeriod"/>
-            </a:pPr>
-            <a:r>
-              <a:rPr lang="en-GB" sz="1100" dirty="0" smtClean="0"/>
-              <a:t>Using the </a:t>
-            </a:r>
-            <a:r>
-              <a:rPr lang="en-GB" sz="1100" b="1" dirty="0" smtClean="0"/>
-              <a:t>reset</a:t>
-            </a:r>
-            <a:r>
-              <a:rPr lang="en-GB" sz="1100" dirty="0" smtClean="0"/>
-              <a:t> switch</a:t>
-            </a:r>
-          </a:p>
-          <a:p>
-            <a:pPr marL="478483" indent="-478483">
-              <a:buFont typeface="+mj-lt"/>
-              <a:buAutoNum type="arabicPeriod"/>
-            </a:pPr>
-            <a:r>
-              <a:rPr lang="en-GB" sz="1100" dirty="0" smtClean="0"/>
-              <a:t>Using the </a:t>
-            </a:r>
-            <a:r>
-              <a:rPr lang="en-GB" sz="1100" b="1" dirty="0" smtClean="0"/>
-              <a:t>switch</a:t>
-            </a:r>
-            <a:r>
-              <a:rPr lang="en-GB" sz="1100" dirty="0" smtClean="0"/>
-              <a:t>, </a:t>
-            </a:r>
-            <a:r>
-              <a:rPr lang="en-GB" sz="1100" b="1" dirty="0" smtClean="0"/>
-              <a:t>ADC</a:t>
-            </a:r>
-            <a:r>
-              <a:rPr lang="en-GB" sz="1100" dirty="0" smtClean="0"/>
-              <a:t> – make the </a:t>
-            </a:r>
-            <a:r>
-              <a:rPr lang="en-GB" sz="1100" b="1" dirty="0" smtClean="0"/>
-              <a:t>LEDs</a:t>
-            </a:r>
-            <a:r>
-              <a:rPr lang="en-GB" sz="1100" dirty="0" smtClean="0"/>
-              <a:t> flash in a </a:t>
-            </a:r>
-            <a:r>
-              <a:rPr lang="en-GB" sz="1100" b="1" dirty="0" smtClean="0"/>
-              <a:t>sequence</a:t>
-            </a:r>
-            <a:r>
-              <a:rPr lang="en-GB" sz="1100" dirty="0" smtClean="0"/>
-              <a:t> with reverse</a:t>
-            </a:r>
-          </a:p>
-          <a:p>
-            <a:pPr marL="478483" indent="-478483">
-              <a:buFont typeface="+mj-lt"/>
-              <a:buAutoNum type="arabicPeriod"/>
-            </a:pPr>
-            <a:r>
-              <a:rPr lang="en-GB" sz="1100" dirty="0" smtClean="0"/>
-              <a:t>Using the </a:t>
-            </a:r>
-            <a:r>
-              <a:rPr lang="en-GB" sz="1100" b="1" dirty="0" smtClean="0"/>
-              <a:t>serial</a:t>
-            </a:r>
-            <a:r>
-              <a:rPr lang="en-GB" sz="1100" dirty="0" smtClean="0"/>
-              <a:t> to display values</a:t>
-            </a:r>
-          </a:p>
-          <a:p>
-            <a:pPr marL="478483" indent="-478483">
-              <a:buFont typeface="+mj-lt"/>
-              <a:buAutoNum type="arabicPeriod"/>
-            </a:pPr>
-            <a:r>
-              <a:rPr lang="en-GB" sz="1100" dirty="0" smtClean="0"/>
-              <a:t>Using the </a:t>
-            </a:r>
-            <a:r>
-              <a:rPr lang="en-GB" sz="1100" b="1" dirty="0" smtClean="0"/>
-              <a:t>timer0</a:t>
-            </a:r>
-            <a:r>
-              <a:rPr lang="en-GB" sz="1100" dirty="0" smtClean="0"/>
-              <a:t> overflow, 8bit timer, 16bit timer to flash the LEDs</a:t>
-            </a:r>
-          </a:p>
-          <a:p>
-            <a:pPr marL="478483" indent="-478483">
-              <a:buFont typeface="+mj-lt"/>
-              <a:buAutoNum type="arabicPeriod"/>
-            </a:pPr>
-            <a:r>
-              <a:rPr lang="en-GB" sz="1100" dirty="0"/>
-              <a:t>Using </a:t>
-            </a:r>
-            <a:r>
-              <a:rPr lang="en-GB" sz="1100" b="1" dirty="0" err="1"/>
-              <a:t>EEProm</a:t>
-            </a:r>
-            <a:r>
-              <a:rPr lang="en-GB" sz="1100" dirty="0"/>
-              <a:t> – showing values on the serial </a:t>
-            </a:r>
-            <a:r>
-              <a:rPr lang="en-GB" sz="1100" dirty="0" smtClean="0"/>
-              <a:t>terminal, and more constants insights</a:t>
-            </a:r>
-          </a:p>
-          <a:p>
-            <a:pPr marL="478483" indent="-478483">
-              <a:buFont typeface="+mj-lt"/>
-              <a:buAutoNum type="arabicPeriod"/>
-            </a:pPr>
-            <a:r>
-              <a:rPr lang="en-GB" sz="1100" dirty="0" smtClean="0"/>
-              <a:t>Using I2C with serial to discover </a:t>
-            </a:r>
-            <a:r>
-              <a:rPr lang="en-GB" sz="1100" b="1" dirty="0" smtClean="0"/>
-              <a:t>I2C</a:t>
-            </a:r>
-            <a:r>
-              <a:rPr lang="en-GB" sz="1100" dirty="0" smtClean="0"/>
-              <a:t> devices</a:t>
-            </a:r>
-          </a:p>
-          <a:p>
-            <a:pPr marL="478483" indent="-478483">
-              <a:buFont typeface="+mj-lt"/>
-              <a:buAutoNum type="arabicPeriod"/>
-            </a:pPr>
-            <a:r>
-              <a:rPr lang="en-GB" sz="1100" b="1" dirty="0" smtClean="0"/>
-              <a:t>Using an I2C GCLD display</a:t>
-            </a:r>
-          </a:p>
-          <a:p>
-            <a:pPr marL="478483" indent="-478483">
-              <a:buFont typeface="+mj-lt"/>
-              <a:buAutoNum type="arabicPeriod"/>
-            </a:pPr>
-            <a:r>
-              <a:rPr lang="en-GB" sz="1100" dirty="0" smtClean="0"/>
-              <a:t>Using a SPI GCLD display</a:t>
-            </a:r>
-          </a:p>
-          <a:p>
-            <a:pPr marL="478483" indent="-478483">
-              <a:buFont typeface="+mj-lt"/>
-              <a:buAutoNum type="arabicPeriod"/>
-            </a:pPr>
-            <a:r>
-              <a:rPr lang="en-GB" sz="1100" dirty="0" smtClean="0"/>
-              <a:t>Using PWM, 6 ways,  to dim the LEDS</a:t>
-            </a:r>
-          </a:p>
-          <a:p>
-            <a:pPr marL="478483" indent="-478483">
-              <a:buFont typeface="+mj-lt"/>
-              <a:buAutoNum type="arabicPeriod"/>
-            </a:pPr>
-            <a:r>
-              <a:rPr lang="en-GB" sz="1100" dirty="0" smtClean="0"/>
-              <a:t>Using an external interrupt to sequence the LEDs</a:t>
-            </a:r>
-          </a:p>
-          <a:p>
-            <a:pPr marL="478483" indent="-478483">
-              <a:buFont typeface="+mj-lt"/>
-              <a:buAutoNum type="arabicPeriod"/>
-            </a:pPr>
-            <a:r>
-              <a:rPr lang="en-GB" sz="1100" dirty="0" smtClean="0"/>
-              <a:t>Using memory within the PIC – </a:t>
-            </a:r>
-            <a:r>
-              <a:rPr lang="en-GB" sz="1100" dirty="0" err="1" smtClean="0"/>
-              <a:t>Progmem</a:t>
-            </a:r>
-            <a:r>
-              <a:rPr lang="en-GB" sz="1100" dirty="0" smtClean="0"/>
-              <a:t> and SAF memory</a:t>
-            </a:r>
-          </a:p>
-          <a:p>
-            <a:pPr marL="478483" indent="-478483">
-              <a:buFont typeface="+mj-lt"/>
-              <a:buAutoNum type="arabicPeriod"/>
-            </a:pPr>
-            <a:r>
-              <a:rPr lang="en-GB" sz="1100" dirty="0" smtClean="0"/>
-              <a:t>Using CLC</a:t>
-            </a:r>
-          </a:p>
-          <a:p>
-            <a:pPr marL="478483" indent="-478483">
-              <a:buFont typeface="+mj-lt"/>
-              <a:buAutoNum type="arabicPeriod"/>
-            </a:pPr>
-            <a:r>
-              <a:rPr lang="en-GB" sz="1100" dirty="0" smtClean="0"/>
-              <a:t>The GCBASIC tool chain</a:t>
-            </a:r>
-          </a:p>
-          <a:p>
-            <a:pPr marL="478483" indent="-478483">
-              <a:buFont typeface="+mj-lt"/>
-              <a:buAutoNum type="arabicPeriod"/>
-            </a:pPr>
-            <a:r>
-              <a:rPr lang="en-GB" sz="1100" dirty="0" smtClean="0"/>
-              <a:t>Assembly , alternatives assemblers and MPLAB-X</a:t>
-            </a:r>
-          </a:p>
-          <a:p>
-            <a:pPr marL="478483" indent="-478483">
-              <a:buFont typeface="+mj-lt"/>
-              <a:buAutoNum type="arabicPeriod"/>
-            </a:pPr>
-            <a:r>
-              <a:rPr lang="en-GB" sz="1100" dirty="0" smtClean="0"/>
-              <a:t>Summary</a:t>
-            </a:r>
-          </a:p>
-          <a:p>
-            <a:pPr marL="478483" indent="-478483">
-              <a:buFont typeface="+mj-lt"/>
-              <a:buAutoNum type="arabicPeriod"/>
-            </a:pPr>
-            <a:endParaRPr lang="en-GB" sz="900" dirty="0" smtClean="0">
-              <a:solidFill>
-                <a:schemeClr val="bg1">
-                  <a:lumMod val="75000"/>
-                </a:schemeClr>
-              </a:solidFill>
-            </a:endParaRPr>
-          </a:p>
-          <a:p>
-            <a:pPr marL="478483" indent="-478483">
-              <a:buNone/>
-            </a:pPr>
-            <a:endParaRPr lang="en-GB" sz="1100" dirty="0" smtClean="0"/>
-          </a:p>
-          <a:p>
-            <a:pPr marL="478483" indent="-478483">
-              <a:buFont typeface="+mj-lt"/>
-              <a:buAutoNum type="arabicPeriod"/>
-            </a:pPr>
-            <a:endParaRPr lang="en-GB" sz="1100" dirty="0" smtClean="0"/>
-          </a:p>
-          <a:p>
-            <a:pPr marL="478483" indent="-478483">
-              <a:buFont typeface="+mj-lt"/>
-              <a:buAutoNum type="arabicPeriod"/>
-            </a:pPr>
-            <a:endParaRPr lang="en-GB" sz="1000" dirty="0" smtClean="0"/>
-          </a:p>
-          <a:p>
-            <a:pPr marL="478483" indent="-478483">
-              <a:buFont typeface="+mj-lt"/>
-              <a:buAutoNum type="arabicPeriod"/>
-            </a:pPr>
-            <a:endParaRPr lang="en-GB" sz="1000" dirty="0" smtClean="0"/>
-          </a:p>
-          <a:p>
-            <a:pPr marL="478483" indent="-478483">
-              <a:buFont typeface="+mj-lt"/>
-              <a:buAutoNum type="arabicPeriod"/>
-            </a:pPr>
-            <a:endParaRPr lang="en-GB" sz="1000" dirty="0" smtClean="0"/>
-          </a:p>
-          <a:p>
-            <a:pPr marL="478483" indent="-478483">
-              <a:buFont typeface="+mj-lt"/>
-              <a:buAutoNum type="arabicPeriod"/>
-            </a:pPr>
-            <a:endParaRPr lang="en-GB" sz="1000" dirty="0"/>
+        <p:spPr/>
+        <p:txBody>
+          <a:bodyPr/>
+          <a:lstStyle/>
+          <a:p>
+            <a:endParaRPr lang="en-GB"/>
           </a:p>
         </p:txBody>
       </p:sp>
     </p:spTree>
-    <p:extLst>
-      <p:ext uri="{BB962C8B-B14F-4D97-AF65-F5344CB8AC3E}">
-        <p14:creationId xmlns:p14="http://schemas.microsoft.com/office/powerpoint/2010/main" val="838642268"/>
-      </p:ext>
-    </p:extLst>
   </p:cSld>
   <p:clrMapOvr>
     <a:masterClrMapping/>
@@ -4467,26 +4136,24 @@
             <a:spLocks noGrp="1"/>
           </p:cNvSpPr>
           <p:nvPr>
-            <p:ph type="ctrTitle"/>
-          </p:nvPr>
-        </p:nvSpPr>
-        <p:spPr/>
+            <p:ph type="title"/>
+          </p:nvPr>
+        </p:nvSpPr>
+        <p:spPr>
+          <a:xfrm>
+            <a:off x="457200" y="-92546"/>
+            <a:ext cx="8229601" cy="857250"/>
+          </a:xfrm>
+        </p:spPr>
         <p:txBody>
           <a:bodyPr>
-            <a:normAutofit fontScale="90000"/>
+            <a:normAutofit/>
           </a:bodyPr>
           <a:lstStyle/>
           <a:p>
             <a:r>
               <a:rPr lang="en-GB" dirty="0" smtClean="0"/>
-              <a:t>GCBASIC</a:t>
-            </a:r>
-            <a:br>
-              <a:rPr lang="en-GB" dirty="0" smtClean="0"/>
-            </a:br>
-            <a:r>
-              <a:rPr lang="en-GB" dirty="0" smtClean="0"/>
-              <a:t>Part 10</a:t>
+              <a:t>Videos...</a:t>
             </a:r>
             <a:endParaRPr lang="en-GB" dirty="0"/>
           </a:p>
@@ -4494,181 +4161,409 @@
       </p:sp>
       <p:sp>
         <p:nvSpPr>
-          <p:cNvPr id="3" name="Subtitle 2"/>
-          <p:cNvSpPr>
-            <a:spLocks noGrp="1"/>
-          </p:cNvSpPr>
-          <p:nvPr>
-            <p:ph type="subTitle" idx="1"/>
+          <p:cNvPr id="3" name="Content Placeholder 2"/>
+          <p:cNvSpPr>
+            <a:spLocks noGrp="1"/>
+          </p:cNvSpPr>
+          <p:nvPr>
+            <p:ph idx="1"/>
           </p:nvPr>
         </p:nvSpPr>
         <p:spPr>
           <a:xfrm>
-            <a:off x="179513" y="2914650"/>
-            <a:ext cx="8784976" cy="1925352"/>
+            <a:off x="467543" y="689049"/>
+            <a:ext cx="8229601" cy="3394472"/>
           </a:xfrm>
         </p:spPr>
         <p:txBody>
           <a:bodyPr>
-            <a:normAutofit lnSpcReduction="10000"/>
+            <a:noAutofit/>
           </a:bodyPr>
           <a:lstStyle/>
           <a:p>
-            <a:r>
-              <a:rPr lang="en-GB" dirty="0" smtClean="0"/>
-              <a:t>GCBASIC for the PIC18FxxQ20 chip Family</a:t>
-            </a:r>
-            <a:endParaRPr lang="en-GB" dirty="0"/>
-          </a:p>
-          <a:p>
-            <a:pPr algn="l"/>
-            <a:endParaRPr lang="en-GB" dirty="0" smtClean="0"/>
-          </a:p>
-          <a:p>
-            <a:pPr algn="l"/>
-            <a:endParaRPr lang="en-GB" dirty="0"/>
-          </a:p>
-          <a:p>
-            <a:pPr algn="l"/>
-            <a:r>
-              <a:rPr lang="en-GB" sz="1700" dirty="0" smtClean="0"/>
-              <a:t>February 2024</a:t>
-            </a:r>
-            <a:endParaRPr lang="en-GB" sz="1700" dirty="0"/>
-          </a:p>
-        </p:txBody>
-      </p:sp>
-      <p:pic>
-        <p:nvPicPr>
-          <p:cNvPr id="1026" name="Picture 2" descr="D:\Build\AnobiumTransparent.jpg"/>
-          <p:cNvPicPr>
-            <a:picLocks noChangeAspect="1" noChangeArrowheads="1"/>
-          </p:cNvPicPr>
-          <p:nvPr/>
-        </p:nvPicPr>
-        <p:blipFill>
-          <a:blip r:embed="rId2" cstate="print"/>
-          <a:srcRect/>
-          <a:stretch>
-            <a:fillRect/>
-          </a:stretch>
-        </p:blipFill>
-        <p:spPr bwMode="auto">
-          <a:xfrm>
-            <a:off x="7315147" y="0"/>
-            <a:ext cx="1828859" cy="771550"/>
-          </a:xfrm>
-          <a:prstGeom prst="rect">
-            <a:avLst/>
-          </a:prstGeom>
-          <a:noFill/>
-        </p:spPr>
-      </p:pic>
-      <p:sp>
-        <p:nvSpPr>
-          <p:cNvPr id="4" name="AutoShape 2" descr="ICSP connection"/>
-          <p:cNvSpPr>
-            <a:spLocks noChangeAspect="1" noChangeArrowheads="1"/>
-          </p:cNvSpPr>
-          <p:nvPr/>
-        </p:nvSpPr>
-        <p:spPr bwMode="auto">
-          <a:xfrm>
-            <a:off x="155575" y="-144462"/>
-            <a:ext cx="304800" cy="304801"/>
-          </a:xfrm>
-          <a:prstGeom prst="rect">
-            <a:avLst/>
-          </a:prstGeom>
-          <a:noFill/>
-        </p:spPr>
-        <p:txBody>
-          <a:bodyPr vert="horz" wrap="square" lIns="85064" tIns="42531" rIns="85064" bIns="42531" numCol="1" anchor="t" anchorCtr="0" compatLnSpc="1">
-            <a:prstTxWarp prst="textNoShape">
-              <a:avLst/>
-            </a:prstTxWarp>
-          </a:bodyPr>
-          <a:lstStyle/>
-          <a:p>
-            <a:endParaRPr lang="en-GB" dirty="0"/>
-          </a:p>
-        </p:txBody>
-      </p:sp>
-      <p:pic>
-        <p:nvPicPr>
-          <p:cNvPr id="5" name="Picture 2" descr="PIC18F16Q20-G6X-Regular"/>
-          <p:cNvPicPr>
-            <a:picLocks noChangeAspect="1" noChangeArrowheads="1"/>
-          </p:cNvPicPr>
-          <p:nvPr/>
-        </p:nvPicPr>
-        <p:blipFill>
-          <a:blip r:embed="rId3" cstate="print">
-            <a:extLst>
-              <a:ext uri="{28A0092B-C50C-407E-A947-70E740481C1C}">
-                <a14:useLocalDpi xmlns:a14="http://schemas.microsoft.com/office/drawing/2010/main" val="0"/>
-              </a:ext>
-            </a:extLst>
-          </a:blip>
-          <a:srcRect/>
-          <a:stretch>
-            <a:fillRect/>
-          </a:stretch>
-        </p:blipFill>
-        <p:spPr bwMode="auto">
-          <a:xfrm>
-            <a:off x="184043" y="195486"/>
-            <a:ext cx="2327055" cy="1303151"/>
-          </a:xfrm>
-          <a:prstGeom prst="rect">
-            <a:avLst/>
-          </a:prstGeom>
-          <a:noFill/>
-          <a:extLst>
-            <a:ext uri="{909E8E84-426E-40DD-AFC4-6F175D3DCCD1}">
-              <a14:hiddenFill xmlns:a14="http://schemas.microsoft.com/office/drawing/2010/main">
-                <a:solidFill>
-                  <a:srgbClr val="FFFFFF"/>
-                </a:solidFill>
-              </a14:hiddenFill>
-            </a:ext>
-          </a:extLst>
-        </p:spPr>
-      </p:pic>
-      <p:pic>
-        <p:nvPicPr>
-          <p:cNvPr id="9" name="Picture 8"/>
-          <p:cNvPicPr>
-            <a:picLocks noChangeAspect="1"/>
-          </p:cNvPicPr>
-          <p:nvPr/>
-        </p:nvPicPr>
-        <p:blipFill>
-          <a:blip r:embed="rId4" cstate="print">
-            <a:extLst>
-              <a:ext uri="{28A0092B-C50C-407E-A947-70E740481C1C}">
-                <a14:useLocalDpi xmlns:a14="http://schemas.microsoft.com/office/drawing/2010/main" val="0"/>
-              </a:ext>
-            </a:extLst>
-          </a:blip>
-          <a:stretch>
-            <a:fillRect/>
-          </a:stretch>
-        </p:blipFill>
-        <p:spPr>
-          <a:xfrm>
-            <a:off x="7311129" y="3435846"/>
-            <a:ext cx="1682644" cy="1610077"/>
-          </a:xfrm>
-          <a:prstGeom prst="rect">
-            <a:avLst/>
-          </a:prstGeom>
-        </p:spPr>
-      </p:pic>
+            <a:pPr marL="478483" indent="-478483">
+              <a:buFont typeface="+mj-lt"/>
+              <a:buAutoNum type="arabicPeriod"/>
+            </a:pPr>
+            <a:r>
+              <a:rPr lang="en-GB" sz="1100" dirty="0" smtClean="0"/>
+              <a:t>Install the </a:t>
+            </a:r>
+            <a:r>
+              <a:rPr lang="en-GB" sz="1100" b="1" dirty="0" smtClean="0"/>
+              <a:t>hardware</a:t>
+            </a:r>
+            <a:r>
+              <a:rPr lang="en-GB" sz="1100" dirty="0" smtClean="0"/>
+              <a:t> and make the board work – three </a:t>
+            </a:r>
+            <a:r>
+              <a:rPr lang="en-GB" sz="1100" b="1" dirty="0" smtClean="0"/>
+              <a:t>LED</a:t>
+            </a:r>
+            <a:r>
+              <a:rPr lang="en-GB" sz="1100" dirty="0" smtClean="0"/>
+              <a:t> programs</a:t>
+            </a:r>
+          </a:p>
+          <a:p>
+            <a:pPr marL="478483" indent="-478483">
+              <a:buFont typeface="+mj-lt"/>
+              <a:buAutoNum type="arabicPeriod"/>
+            </a:pPr>
+            <a:r>
+              <a:rPr lang="en-GB" sz="1100" dirty="0" smtClean="0"/>
+              <a:t>Make  four LEDs flash in a </a:t>
+            </a:r>
+            <a:r>
+              <a:rPr lang="en-GB" sz="1100" b="1" dirty="0" smtClean="0"/>
+              <a:t>sequence</a:t>
+            </a:r>
+          </a:p>
+          <a:p>
+            <a:pPr marL="478483" indent="-478483">
+              <a:buFont typeface="+mj-lt"/>
+              <a:buAutoNum type="arabicPeriod"/>
+            </a:pPr>
+            <a:r>
+              <a:rPr lang="en-GB" sz="1100" dirty="0" smtClean="0"/>
+              <a:t>Set the LEDs to represent the value of </a:t>
+            </a:r>
+            <a:r>
+              <a:rPr lang="en-GB" sz="1100" b="1" dirty="0" smtClean="0"/>
+              <a:t>ADC</a:t>
+            </a:r>
+          </a:p>
+          <a:p>
+            <a:pPr marL="478483" indent="-478483">
+              <a:buFont typeface="+mj-lt"/>
+              <a:buAutoNum type="arabicPeriod"/>
+            </a:pPr>
+            <a:r>
+              <a:rPr lang="en-GB" sz="1100" dirty="0" smtClean="0"/>
+              <a:t>Sequence the LEDs with a </a:t>
+            </a:r>
+            <a:r>
+              <a:rPr lang="en-GB" sz="1100" b="1" dirty="0" smtClean="0"/>
+              <a:t>delay</a:t>
+            </a:r>
+            <a:r>
+              <a:rPr lang="en-GB" sz="1100" dirty="0" smtClean="0"/>
+              <a:t> using the value of ADC</a:t>
+            </a:r>
+          </a:p>
+          <a:p>
+            <a:pPr marL="478483" indent="-478483">
+              <a:buFont typeface="+mj-lt"/>
+              <a:buAutoNum type="arabicPeriod"/>
+            </a:pPr>
+            <a:r>
+              <a:rPr lang="en-GB" sz="1100" dirty="0" smtClean="0"/>
+              <a:t>Using an </a:t>
+            </a:r>
+            <a:r>
+              <a:rPr lang="en-GB" sz="1100" b="1" dirty="0" smtClean="0"/>
+              <a:t>input</a:t>
+            </a:r>
+            <a:r>
+              <a:rPr lang="en-GB" sz="1100" dirty="0" smtClean="0"/>
+              <a:t> to set the state of the LEDs</a:t>
+            </a:r>
+          </a:p>
+          <a:p>
+            <a:pPr marL="478483" indent="-478483">
+              <a:buFont typeface="+mj-lt"/>
+              <a:buAutoNum type="arabicPeriod"/>
+            </a:pPr>
+            <a:r>
+              <a:rPr lang="en-GB" sz="1100" dirty="0" smtClean="0"/>
+              <a:t>Using the </a:t>
+            </a:r>
+            <a:r>
+              <a:rPr lang="en-GB" sz="1100" b="1" dirty="0" smtClean="0"/>
+              <a:t>reset</a:t>
+            </a:r>
+            <a:r>
+              <a:rPr lang="en-GB" sz="1100" dirty="0" smtClean="0"/>
+              <a:t> switch</a:t>
+            </a:r>
+          </a:p>
+          <a:p>
+            <a:pPr marL="478483" indent="-478483">
+              <a:buFont typeface="+mj-lt"/>
+              <a:buAutoNum type="arabicPeriod"/>
+            </a:pPr>
+            <a:r>
+              <a:rPr lang="en-GB" sz="1100" dirty="0" smtClean="0"/>
+              <a:t>Using the </a:t>
+            </a:r>
+            <a:r>
+              <a:rPr lang="en-GB" sz="1100" b="1" dirty="0" smtClean="0"/>
+              <a:t>switch</a:t>
+            </a:r>
+            <a:r>
+              <a:rPr lang="en-GB" sz="1100" dirty="0" smtClean="0"/>
+              <a:t>, </a:t>
+            </a:r>
+            <a:r>
+              <a:rPr lang="en-GB" sz="1100" b="1" dirty="0" smtClean="0"/>
+              <a:t>ADC</a:t>
+            </a:r>
+            <a:r>
+              <a:rPr lang="en-GB" sz="1100" dirty="0" smtClean="0"/>
+              <a:t> – make the </a:t>
+            </a:r>
+            <a:r>
+              <a:rPr lang="en-GB" sz="1100" b="1" dirty="0" smtClean="0"/>
+              <a:t>LEDs</a:t>
+            </a:r>
+            <a:r>
+              <a:rPr lang="en-GB" sz="1100" dirty="0" smtClean="0"/>
+              <a:t> flash in a </a:t>
+            </a:r>
+            <a:r>
+              <a:rPr lang="en-GB" sz="1100" b="1" dirty="0" smtClean="0"/>
+              <a:t>sequence</a:t>
+            </a:r>
+            <a:r>
+              <a:rPr lang="en-GB" sz="1100" dirty="0" smtClean="0"/>
+              <a:t> with reverse</a:t>
+            </a:r>
+          </a:p>
+          <a:p>
+            <a:pPr marL="478483" indent="-478483">
+              <a:buFont typeface="+mj-lt"/>
+              <a:buAutoNum type="arabicPeriod"/>
+            </a:pPr>
+            <a:r>
+              <a:rPr lang="en-GB" sz="1100" dirty="0" smtClean="0"/>
+              <a:t>Using the </a:t>
+            </a:r>
+            <a:r>
+              <a:rPr lang="en-GB" sz="1100" b="1" dirty="0" smtClean="0"/>
+              <a:t>serial</a:t>
+            </a:r>
+            <a:r>
+              <a:rPr lang="en-GB" sz="1100" dirty="0" smtClean="0"/>
+              <a:t> to display values</a:t>
+            </a:r>
+          </a:p>
+          <a:p>
+            <a:pPr marL="478483" indent="-478483">
+              <a:buFont typeface="+mj-lt"/>
+              <a:buAutoNum type="arabicPeriod"/>
+            </a:pPr>
+            <a:r>
+              <a:rPr lang="en-GB" sz="1100" dirty="0" smtClean="0"/>
+              <a:t>Using the </a:t>
+            </a:r>
+            <a:r>
+              <a:rPr lang="en-GB" sz="1100" b="1" dirty="0" smtClean="0"/>
+              <a:t>timer0</a:t>
+            </a:r>
+            <a:r>
+              <a:rPr lang="en-GB" sz="1100" dirty="0" smtClean="0"/>
+              <a:t> overflow, 8bit timer, 16bit timer to flash the LEDs</a:t>
+            </a:r>
+          </a:p>
+          <a:p>
+            <a:pPr marL="478483" indent="-478483">
+              <a:buFont typeface="+mj-lt"/>
+              <a:buAutoNum type="arabicPeriod"/>
+            </a:pPr>
+            <a:r>
+              <a:rPr lang="en-GB" sz="1100" dirty="0"/>
+              <a:t>Using </a:t>
+            </a:r>
+            <a:r>
+              <a:rPr lang="en-GB" sz="1100" b="1" dirty="0" err="1"/>
+              <a:t>EEProm</a:t>
+            </a:r>
+            <a:r>
+              <a:rPr lang="en-GB" sz="1100" dirty="0"/>
+              <a:t> – showing values on the serial </a:t>
+            </a:r>
+            <a:r>
+              <a:rPr lang="en-GB" sz="1100" dirty="0" smtClean="0"/>
+              <a:t>terminal, and more constants insights</a:t>
+            </a:r>
+          </a:p>
+          <a:p>
+            <a:pPr marL="478483" indent="-478483">
+              <a:buFont typeface="+mj-lt"/>
+              <a:buAutoNum type="arabicPeriod"/>
+            </a:pPr>
+            <a:r>
+              <a:rPr lang="en-GB" sz="1100" dirty="0" smtClean="0"/>
+              <a:t>Using I2C with serial to discover </a:t>
+            </a:r>
+            <a:r>
+              <a:rPr lang="en-GB" sz="1100" b="1" dirty="0" smtClean="0"/>
+              <a:t>I2C</a:t>
+            </a:r>
+            <a:r>
+              <a:rPr lang="en-GB" sz="1100" dirty="0" smtClean="0"/>
+              <a:t> devices</a:t>
+            </a:r>
+          </a:p>
+          <a:p>
+            <a:pPr marL="478483" indent="-478483">
+              <a:buFont typeface="+mj-lt"/>
+              <a:buAutoNum type="arabicPeriod"/>
+            </a:pPr>
+            <a:r>
+              <a:rPr lang="en-GB" sz="1100" b="1" dirty="0" smtClean="0"/>
+              <a:t>Using an I2C GCLD display</a:t>
+            </a:r>
+          </a:p>
+          <a:p>
+            <a:pPr marL="478483" indent="-478483">
+              <a:buFont typeface="+mj-lt"/>
+              <a:buAutoNum type="arabicPeriod"/>
+            </a:pPr>
+            <a:r>
+              <a:rPr lang="en-GB" sz="1100" dirty="0" smtClean="0"/>
+              <a:t>Using a SPI GCLD display</a:t>
+            </a:r>
+          </a:p>
+          <a:p>
+            <a:pPr marL="478483" indent="-478483">
+              <a:buFont typeface="+mj-lt"/>
+              <a:buAutoNum type="arabicPeriod"/>
+            </a:pPr>
+            <a:r>
+              <a:rPr lang="en-GB" sz="1100" dirty="0" smtClean="0"/>
+              <a:t>Using PWM, 6 ways,  to dim the LEDS</a:t>
+            </a:r>
+          </a:p>
+          <a:p>
+            <a:pPr marL="478483" indent="-478483">
+              <a:buFont typeface="+mj-lt"/>
+              <a:buAutoNum type="arabicPeriod"/>
+            </a:pPr>
+            <a:r>
+              <a:rPr lang="en-GB" sz="1100" dirty="0" smtClean="0"/>
+              <a:t>Using an external interrupt to sequence the LEDs</a:t>
+            </a:r>
+          </a:p>
+          <a:p>
+            <a:pPr marL="478483" indent="-478483">
+              <a:buFont typeface="+mj-lt"/>
+              <a:buAutoNum type="arabicPeriod"/>
+            </a:pPr>
+            <a:r>
+              <a:rPr lang="en-GB" sz="1100" dirty="0" smtClean="0"/>
+              <a:t>Using memory within the PIC – </a:t>
+            </a:r>
+            <a:r>
+              <a:rPr lang="en-GB" sz="1100" dirty="0" err="1" smtClean="0"/>
+              <a:t>Progmem</a:t>
+            </a:r>
+            <a:r>
+              <a:rPr lang="en-GB" sz="1100" dirty="0" smtClean="0"/>
+              <a:t> and SAF memory</a:t>
+            </a:r>
+          </a:p>
+          <a:p>
+            <a:pPr marL="478483" indent="-478483">
+              <a:buFont typeface="+mj-lt"/>
+              <a:buAutoNum type="arabicPeriod"/>
+            </a:pPr>
+            <a:r>
+              <a:rPr lang="en-GB" sz="1100" dirty="0" smtClean="0"/>
+              <a:t>Using CLC</a:t>
+            </a:r>
+          </a:p>
+          <a:p>
+            <a:pPr marL="478483" indent="-478483">
+              <a:buFont typeface="+mj-lt"/>
+              <a:buAutoNum type="arabicPeriod"/>
+            </a:pPr>
+            <a:r>
+              <a:rPr lang="en-GB" sz="1100" dirty="0" smtClean="0"/>
+              <a:t>The GCBASIC tool chain</a:t>
+            </a:r>
+          </a:p>
+          <a:p>
+            <a:pPr marL="478483" indent="-478483">
+              <a:buFont typeface="+mj-lt"/>
+              <a:buAutoNum type="arabicPeriod"/>
+            </a:pPr>
+            <a:r>
+              <a:rPr lang="en-GB" sz="1100" dirty="0" smtClean="0"/>
+              <a:t>Assembly , alternatives assemblers and MPLAB-X</a:t>
+            </a:r>
+          </a:p>
+          <a:p>
+            <a:pPr marL="478483" indent="-478483">
+              <a:buFont typeface="+mj-lt"/>
+              <a:buAutoNum type="arabicPeriod"/>
+            </a:pPr>
+            <a:r>
+              <a:rPr lang="en-GB" sz="1100" dirty="0" smtClean="0"/>
+              <a:t>Summary</a:t>
+            </a:r>
+          </a:p>
+          <a:p>
+            <a:pPr marL="478483" indent="-478483">
+              <a:buFont typeface="+mj-lt"/>
+              <a:buAutoNum type="arabicPeriod"/>
+            </a:pPr>
+            <a:endParaRPr lang="en-GB" sz="900" dirty="0" smtClean="0">
+              <a:solidFill>
+                <a:schemeClr val="bg1">
+                  <a:lumMod val="75000"/>
+                </a:schemeClr>
+              </a:solidFill>
+            </a:endParaRPr>
+          </a:p>
+          <a:p>
+            <a:pPr marL="478483" indent="-478483">
+              <a:buNone/>
+            </a:pPr>
+            <a:endParaRPr lang="en-GB" sz="1100" dirty="0" smtClean="0"/>
+          </a:p>
+          <a:p>
+            <a:pPr marL="478483" indent="-478483">
+              <a:buFont typeface="+mj-lt"/>
+              <a:buAutoNum type="arabicPeriod"/>
+            </a:pPr>
+            <a:endParaRPr lang="en-GB" sz="1100" dirty="0" smtClean="0"/>
+          </a:p>
+          <a:p>
+            <a:pPr marL="478483" indent="-478483">
+              <a:buFont typeface="+mj-lt"/>
+              <a:buAutoNum type="arabicPeriod"/>
+            </a:pPr>
+            <a:endParaRPr lang="en-GB" sz="1000" dirty="0" smtClean="0"/>
+          </a:p>
+          <a:p>
+            <a:pPr marL="478483" indent="-478483">
+              <a:buFont typeface="+mj-lt"/>
+              <a:buAutoNum type="arabicPeriod"/>
+            </a:pPr>
+            <a:endParaRPr lang="en-GB" sz="1000" dirty="0" smtClean="0"/>
+          </a:p>
+          <a:p>
+            <a:pPr marL="478483" indent="-478483">
+              <a:buFont typeface="+mj-lt"/>
+              <a:buAutoNum type="arabicPeriod"/>
+            </a:pPr>
+            <a:endParaRPr lang="en-GB" sz="1000" dirty="0" smtClean="0"/>
+          </a:p>
+          <a:p>
+            <a:pPr marL="478483" indent="-478483">
+              <a:buFont typeface="+mj-lt"/>
+              <a:buAutoNum type="arabicPeriod"/>
+            </a:pPr>
+            <a:endParaRPr lang="en-GB" sz="1000" dirty="0"/>
+          </a:p>
+        </p:txBody>
+      </p:sp>
     </p:spTree>
     <p:extLst>
       <p:ext uri="{BB962C8B-B14F-4D97-AF65-F5344CB8AC3E}">
-        <p14:creationId xmlns:p14="http://schemas.microsoft.com/office/powerpoint/2010/main" val="4007174551"/>
+        <p14:creationId xmlns:p14="http://schemas.microsoft.com/office/powerpoint/2010/main" val="838642268"/>
       </p:ext>
     </p:extLst>
   </p:cSld>
@@ -4710,38 +4605,210 @@
             <a:spLocks noGrp="1"/>
           </p:cNvSpPr>
           <p:nvPr>
-            <p:ph type="title"/>
+            <p:ph type="ctrTitle"/>
           </p:nvPr>
         </p:nvSpPr>
         <p:spPr/>
         <p:txBody>
-          <a:bodyPr/>
-          <a:lstStyle/>
-          <a:p>
+          <a:bodyPr>
+            <a:normAutofit fontScale="90000"/>
+          </a:bodyPr>
+          <a:lstStyle/>
+          <a:p>
+            <a:r>
+              <a:rPr lang="en-GB" dirty="0" smtClean="0"/>
+              <a:t>GCBASIC</a:t>
+            </a:r>
+            <a:br>
+              <a:rPr lang="en-GB" dirty="0" smtClean="0"/>
+            </a:br>
+            <a:r>
+              <a:rPr lang="en-GB" dirty="0" smtClean="0"/>
+              <a:t>Part 10</a:t>
+            </a:r>
             <a:endParaRPr lang="en-GB" dirty="0"/>
           </a:p>
         </p:txBody>
       </p:sp>
       <p:sp>
         <p:nvSpPr>
-          <p:cNvPr id="3" name="Content Placeholder 2"/>
-          <p:cNvSpPr>
-            <a:spLocks noGrp="1"/>
-          </p:cNvSpPr>
-          <p:nvPr>
-            <p:ph idx="1"/>
-          </p:nvPr>
-        </p:nvSpPr>
-        <p:spPr/>
-        <p:txBody>
-          <a:bodyPr/>
-          <a:lstStyle/>
-          <a:p>
+          <p:cNvPr id="3" name="Subtitle 2"/>
+          <p:cNvSpPr>
+            <a:spLocks noGrp="1"/>
+          </p:cNvSpPr>
+          <p:nvPr>
+            <p:ph type="subTitle" idx="1"/>
+          </p:nvPr>
+        </p:nvSpPr>
+        <p:spPr>
+          <a:xfrm>
+            <a:off x="179513" y="2914650"/>
+            <a:ext cx="8784976" cy="1925352"/>
+          </a:xfrm>
+        </p:spPr>
+        <p:txBody>
+          <a:bodyPr>
+            <a:normAutofit lnSpcReduction="10000"/>
+          </a:bodyPr>
+          <a:lstStyle/>
+          <a:p>
+            <a:r>
+              <a:rPr lang="en-GB" dirty="0" smtClean="0"/>
+              <a:t>GCBASIC for the PIC18FxxQ20 chip Family</a:t>
+            </a:r>
             <a:endParaRPr lang="en-GB" dirty="0"/>
           </a:p>
-        </p:txBody>
-      </p:sp>
+          <a:p>
+            <a:pPr algn="l"/>
+            <a:endParaRPr lang="en-GB" dirty="0" smtClean="0"/>
+          </a:p>
+          <a:p>
+            <a:pPr algn="l"/>
+            <a:endParaRPr lang="en-GB" dirty="0"/>
+          </a:p>
+          <a:p>
+            <a:pPr algn="l"/>
+            <a:r>
+              <a:rPr lang="en-GB" sz="1700" dirty="0" smtClean="0"/>
+              <a:t>October 2024</a:t>
+            </a:r>
+            <a:endParaRPr lang="en-GB" sz="1700" dirty="0"/>
+          </a:p>
+        </p:txBody>
+      </p:sp>
+      <p:pic>
+        <p:nvPicPr>
+          <p:cNvPr id="1026" name="Picture 2" descr="D:\Build\AnobiumTransparent.jpg"/>
+          <p:cNvPicPr>
+            <a:picLocks noChangeAspect="1" noChangeArrowheads="1"/>
+          </p:cNvPicPr>
+          <p:nvPr/>
+        </p:nvPicPr>
+        <p:blipFill>
+          <a:blip r:embed="rId2" cstate="print"/>
+          <a:srcRect/>
+          <a:stretch>
+            <a:fillRect/>
+          </a:stretch>
+        </p:blipFill>
+        <p:spPr bwMode="auto">
+          <a:xfrm>
+            <a:off x="7315147" y="0"/>
+            <a:ext cx="1828859" cy="771550"/>
+          </a:xfrm>
+          <a:prstGeom prst="rect">
+            <a:avLst/>
+          </a:prstGeom>
+          <a:noFill/>
+        </p:spPr>
+      </p:pic>
+      <p:sp>
+        <p:nvSpPr>
+          <p:cNvPr id="4" name="AutoShape 2" descr="ICSP connection"/>
+          <p:cNvSpPr>
+            <a:spLocks noChangeAspect="1" noChangeArrowheads="1"/>
+          </p:cNvSpPr>
+          <p:nvPr/>
+        </p:nvSpPr>
+        <p:spPr bwMode="auto">
+          <a:xfrm>
+            <a:off x="155575" y="-144462"/>
+            <a:ext cx="304800" cy="304801"/>
+          </a:xfrm>
+          <a:prstGeom prst="rect">
+            <a:avLst/>
+          </a:prstGeom>
+          <a:noFill/>
+        </p:spPr>
+        <p:txBody>
+          <a:bodyPr vert="horz" wrap="square" lIns="85064" tIns="42531" rIns="85064" bIns="42531" numCol="1" anchor="t" anchorCtr="0" compatLnSpc="1">
+            <a:prstTxWarp prst="textNoShape">
+              <a:avLst/>
+            </a:prstTxWarp>
+          </a:bodyPr>
+          <a:lstStyle/>
+          <a:p>
+            <a:endParaRPr lang="en-GB" dirty="0"/>
+          </a:p>
+        </p:txBody>
+      </p:sp>
+      <p:pic>
+        <p:nvPicPr>
+          <p:cNvPr id="5" name="Picture 2" descr="PIC18F16Q20-G6X-Regular"/>
+          <p:cNvPicPr>
+            <a:picLocks noChangeAspect="1" noChangeArrowheads="1"/>
+          </p:cNvPicPr>
+          <p:nvPr/>
+        </p:nvPicPr>
+        <p:blipFill>
+          <a:blip r:embed="rId3" cstate="print">
+            <a:extLst>
+              <a:ext uri="{28A0092B-C50C-407E-A947-70E740481C1C}">
+                <a14:useLocalDpi xmlns:a14="http://schemas.microsoft.com/office/drawing/2010/main" val="0"/>
+              </a:ext>
+            </a:extLst>
+          </a:blip>
+          <a:srcRect/>
+          <a:stretch>
+            <a:fillRect/>
+          </a:stretch>
+        </p:blipFill>
+        <p:spPr bwMode="auto">
+          <a:xfrm>
+            <a:off x="184043" y="195486"/>
+            <a:ext cx="2327055" cy="1303151"/>
+          </a:xfrm>
+          <a:prstGeom prst="rect">
+            <a:avLst/>
+          </a:prstGeom>
+          <a:noFill/>
+          <a:extLst>
+            <a:ext uri="{909E8E84-426E-40DD-AFC4-6F175D3DCCD1}">
+              <a14:hiddenFill xmlns:a14="http://schemas.microsoft.com/office/drawing/2010/main">
+                <a:solidFill>
+                  <a:srgbClr val="FFFFFF"/>
+                </a:solidFill>
+              </a14:hiddenFill>
+            </a:ext>
+          </a:extLst>
+        </p:spPr>
+      </p:pic>
+      <p:pic>
+        <p:nvPicPr>
+          <p:cNvPr id="9" name="Picture 8"/>
+          <p:cNvPicPr>
+            <a:picLocks noChangeAspect="1"/>
+          </p:cNvPicPr>
+          <p:nvPr/>
+        </p:nvPicPr>
+        <p:blipFill>
+          <a:blip r:embed="rId4" cstate="print">
+            <a:extLst>
+              <a:ext uri="{28A0092B-C50C-407E-A947-70E740481C1C}">
+                <a14:useLocalDpi xmlns:a14="http://schemas.microsoft.com/office/drawing/2010/main" val="0"/>
+              </a:ext>
+            </a:extLst>
+          </a:blip>
+          <a:stretch>
+            <a:fillRect/>
+          </a:stretch>
+        </p:blipFill>
+        <p:spPr>
+          <a:xfrm>
+            <a:off x="7311129" y="3435846"/>
+            <a:ext cx="1682644" cy="1610077"/>
+          </a:xfrm>
+          <a:prstGeom prst="rect">
+            <a:avLst/>
+          </a:prstGeom>
+        </p:spPr>
+      </p:pic>
     </p:spTree>
+    <p:extLst>
+      <p:ext uri="{BB962C8B-B14F-4D97-AF65-F5344CB8AC3E}">
+        <p14:creationId xmlns:p14="http://schemas.microsoft.com/office/powerpoint/2010/main" val="4007174551"/>
+      </p:ext>
+    </p:extLst>
   </p:cSld>
   <p:clrMapOvr>
     <a:masterClrMapping/>
@@ -4789,10 +4856,6 @@
           <a:bodyPr/>
           <a:lstStyle/>
           <a:p>
-            <a:r>
-              <a:rPr lang="en-GB" dirty="0" smtClean="0"/>
-              <a:t>Backup Slides</a:t>
-            </a:r>
             <a:endParaRPr lang="en-GB" dirty="0"/>
           </a:p>
         </p:txBody>
@@ -4812,7 +4875,7 @@
           <a:bodyPr/>
           <a:lstStyle/>
           <a:p>
-            <a:endParaRPr lang="en-GB"/>
+            <a:endParaRPr lang="en-GB" dirty="0"/>
           </a:p>
         </p:txBody>
       </p:sp>
@@ -4833,6 +4896,81 @@
 </file>
 
 <file path=ppt/slides/slide15.xml><?xml version="1.0" encoding="utf-8"?>
+<p:sld xmlns:a="http://schemas.openxmlformats.org/drawingml/2006/main" xmlns:r="http://schemas.openxmlformats.org/officeDocument/2006/relationships" xmlns:p="http://schemas.openxmlformats.org/presentationml/2006/main">
+  <p:cSld>
+    <p:spTree>
+      <p:nvGrpSpPr>
+        <p:cNvPr id="1" name=""/>
+        <p:cNvGrpSpPr/>
+        <p:nvPr/>
+      </p:nvGrpSpPr>
+      <p:grpSpPr>
+        <a:xfrm>
+          <a:off x="0" y="0"/>
+          <a:ext cx="0" cy="0"/>
+          <a:chOff x="0" y="0"/>
+          <a:chExt cx="0" cy="0"/>
+        </a:xfrm>
+      </p:grpSpPr>
+      <p:sp>
+        <p:nvSpPr>
+          <p:cNvPr id="2" name="Title 1"/>
+          <p:cNvSpPr>
+            <a:spLocks noGrp="1"/>
+          </p:cNvSpPr>
+          <p:nvPr>
+            <p:ph type="title"/>
+          </p:nvPr>
+        </p:nvSpPr>
+        <p:spPr/>
+        <p:txBody>
+          <a:bodyPr/>
+          <a:lstStyle/>
+          <a:p>
+            <a:r>
+              <a:rPr lang="en-GB" dirty="0" smtClean="0"/>
+              <a:t>Backup Slides</a:t>
+            </a:r>
+            <a:endParaRPr lang="en-GB" dirty="0"/>
+          </a:p>
+        </p:txBody>
+      </p:sp>
+      <p:sp>
+        <p:nvSpPr>
+          <p:cNvPr id="3" name="Content Placeholder 2"/>
+          <p:cNvSpPr>
+            <a:spLocks noGrp="1"/>
+          </p:cNvSpPr>
+          <p:nvPr>
+            <p:ph idx="1"/>
+          </p:nvPr>
+        </p:nvSpPr>
+        <p:spPr/>
+        <p:txBody>
+          <a:bodyPr/>
+          <a:lstStyle/>
+          <a:p>
+            <a:endParaRPr lang="en-GB"/>
+          </a:p>
+        </p:txBody>
+      </p:sp>
+    </p:spTree>
+  </p:cSld>
+  <p:clrMapOvr>
+    <a:masterClrMapping/>
+  </p:clrMapOvr>
+  <p:transition advClick="0"/>
+  <p:timing>
+    <p:tnLst>
+      <p:par>
+        <p:cTn id="1" dur="indefinite" restart="never" nodeType="tmRoot"/>
+      </p:par>
+    </p:tnLst>
+  </p:timing>
+</p:sld>
+</file>
+
+<file path=ppt/slides/slide16.xml><?xml version="1.0" encoding="utf-8"?>
 <p:sld xmlns:a="http://schemas.openxmlformats.org/drawingml/2006/main" xmlns:r="http://schemas.openxmlformats.org/officeDocument/2006/relationships" xmlns:p="http://schemas.openxmlformats.org/presentationml/2006/main">
   <p:cSld>
     <p:spTree>
@@ -5167,19 +5305,19 @@
               <a:buAutoNum type="arabicPeriod"/>
             </a:pPr>
             <a:r>
-              <a:rPr lang="en-GB" sz="1100" b="1" dirty="0"/>
+              <a:rPr lang="en-GB" sz="1100" dirty="0"/>
               <a:t>Using </a:t>
             </a:r>
             <a:r>
-              <a:rPr lang="en-GB" sz="1100" b="1" dirty="0" err="1"/>
+              <a:rPr lang="en-GB" sz="1100" dirty="0" err="1"/>
               <a:t>EEProm</a:t>
             </a:r>
             <a:r>
-              <a:rPr lang="en-GB" sz="1100" b="1" dirty="0"/>
+              <a:rPr lang="en-GB" sz="1100" dirty="0"/>
               <a:t> – showing values on the serial </a:t>
             </a:r>
             <a:r>
-              <a:rPr lang="en-GB" sz="1100" b="1" dirty="0" smtClean="0"/>
+              <a:rPr lang="en-GB" sz="1100" dirty="0" smtClean="0"/>
               <a:t>terminal, and more constants insights</a:t>
             </a:r>
           </a:p>
@@ -5189,7 +5327,7 @@
               <a:buAutoNum type="arabicPeriod"/>
             </a:pPr>
             <a:r>
-              <a:rPr lang="en-GB" sz="1100" dirty="0" smtClean="0"/>
+              <a:rPr lang="en-GB" sz="1100" b="1" dirty="0" smtClean="0"/>
               <a:t>Using I2C with serial to discover I2C devices</a:t>
             </a:r>
           </a:p>
@@ -5714,7 +5852,11 @@
           <a:p>
             <a:r>
               <a:rPr lang="en-GB" dirty="0" smtClean="0"/>
-              <a:t>GCBASIC simplifies the use of EEPROM</a:t>
+              <a:t>GCBASIC simplifies the use of </a:t>
+            </a:r>
+            <a:r>
+              <a:rPr lang="en-GB" dirty="0" smtClean="0"/>
+              <a:t>I2C</a:t>
             </a:r>
             <a:endParaRPr lang="en-GB" dirty="0"/>
           </a:p>
@@ -5770,7 +5912,7 @@
         </p:nvSpPr>
         <p:spPr>
           <a:xfrm>
-            <a:off x="0" y="1"/>
+            <a:off x="0" y="0"/>
             <a:ext cx="8229601" cy="857250"/>
           </a:xfrm>
         </p:spPr>
@@ -5781,7 +5923,15 @@
             <a:pPr algn="l"/>
             <a:r>
               <a:rPr lang="en-GB" dirty="0" smtClean="0"/>
-              <a:t>Hardware</a:t>
+              <a:t>I</a:t>
+            </a:r>
+            <a:r>
+              <a:rPr lang="en-GB" baseline="30000" dirty="0" smtClean="0"/>
+              <a:t>2</a:t>
+            </a:r>
+            <a:r>
+              <a:rPr lang="en-GB" dirty="0" smtClean="0"/>
+              <a:t>C</a:t>
             </a:r>
             <a:endParaRPr lang="en-GB" dirty="0"/>
           </a:p>
@@ -5797,829 +5947,90 @@
             <p:ph idx="1"/>
           </p:nvPr>
         </p:nvSpPr>
-        <p:spPr>
-          <a:xfrm>
-            <a:off x="179512" y="1210799"/>
-            <a:ext cx="8229601" cy="3394472"/>
-          </a:xfrm>
-        </p:spPr>
+        <p:spPr/>
         <p:txBody>
           <a:bodyPr>
-            <a:normAutofit fontScale="85000" lnSpcReduction="20000"/>
+            <a:normAutofit lnSpcReduction="10000"/>
           </a:bodyPr>
           <a:lstStyle/>
           <a:p>
             <a:r>
               <a:rPr lang="en-GB" dirty="0" smtClean="0"/>
-              <a:t>Prototype Board</a:t>
+              <a:t>I</a:t>
+            </a:r>
+            <a:r>
+              <a:rPr lang="en-GB" baseline="30000" dirty="0" smtClean="0"/>
+              <a:t>2</a:t>
+            </a:r>
+            <a:r>
+              <a:rPr lang="en-GB" dirty="0" smtClean="0"/>
+              <a:t>C uses two bidirectional </a:t>
+            </a:r>
+            <a:r>
+              <a:rPr lang="en-GB" dirty="0" smtClean="0">
+                <a:hlinkClick r:id="rId2" tooltip="Open collector"/>
+              </a:rPr>
+              <a:t>open collector</a:t>
+            </a:r>
+            <a:r>
+              <a:rPr lang="en-GB" dirty="0" smtClean="0"/>
+              <a:t> or </a:t>
+            </a:r>
+            <a:r>
+              <a:rPr lang="en-GB" dirty="0" smtClean="0">
+                <a:hlinkClick r:id="rId3" tooltip="Open drain"/>
+              </a:rPr>
+              <a:t>open drain</a:t>
+            </a:r>
+            <a:r>
+              <a:rPr lang="en-GB" dirty="0" smtClean="0"/>
+              <a:t> lines </a:t>
+            </a:r>
+            <a:r>
+              <a:rPr lang="en-GB" dirty="0" smtClean="0">
+                <a:hlinkClick r:id="rId4" tooltip="Pull-up resistor"/>
+              </a:rPr>
+              <a:t>pulled up</a:t>
+            </a:r>
+            <a:r>
+              <a:rPr lang="en-GB" dirty="0" smtClean="0"/>
+              <a:t> with </a:t>
+            </a:r>
+            <a:r>
+              <a:rPr lang="en-GB" dirty="0" smtClean="0">
+                <a:hlinkClick r:id="rId5" tooltip="Resistor"/>
+              </a:rPr>
+              <a:t>resistors</a:t>
+            </a:r>
+            <a:endParaRPr lang="en-GB" dirty="0" smtClean="0"/>
+          </a:p>
+          <a:p>
+            <a:pPr lvl="1"/>
+            <a:r>
+              <a:rPr lang="en-GB" dirty="0" smtClean="0"/>
+              <a:t>Serial Data Line (SDA) </a:t>
+            </a:r>
+          </a:p>
+          <a:p>
+            <a:pPr lvl="1"/>
+            <a:r>
+              <a:rPr lang="en-GB" dirty="0" smtClean="0"/>
+              <a:t>Serial Clock Line (SCL)</a:t>
+            </a:r>
+          </a:p>
+          <a:p>
+            <a:endParaRPr lang="en-GB" dirty="0" smtClean="0"/>
+          </a:p>
+          <a:p>
+            <a:r>
+              <a:rPr lang="en-GB" dirty="0" smtClean="0"/>
+              <a:t>Typical voltages used are +5 V or +3.3 V, although systems with other voltages are permitted</a:t>
             </a:r>
             <a:endParaRPr lang="en-GB" dirty="0"/>
           </a:p>
-          <a:p>
-            <a:r>
-              <a:rPr lang="en-GB" dirty="0" smtClean="0"/>
-              <a:t>Power 5v0</a:t>
-            </a:r>
-          </a:p>
-          <a:p>
-            <a:r>
-              <a:rPr lang="en-GB" dirty="0" smtClean="0"/>
-              <a:t>Programmer</a:t>
-            </a:r>
-          </a:p>
-          <a:p>
-            <a:r>
-              <a:rPr lang="en-GB" dirty="0" smtClean="0"/>
-              <a:t>Serial Port</a:t>
-            </a:r>
-          </a:p>
-          <a:p>
-            <a:endParaRPr lang="en-GB" dirty="0" smtClean="0"/>
-          </a:p>
-          <a:p>
-            <a:r>
-              <a:rPr lang="en-GB" dirty="0" smtClean="0"/>
-              <a:t>LEDs &amp; resistors</a:t>
-            </a:r>
-          </a:p>
-          <a:p>
-            <a:r>
-              <a:rPr lang="en-GB" dirty="0" smtClean="0"/>
-              <a:t>Potentiometer</a:t>
-            </a:r>
-          </a:p>
-          <a:p>
-            <a:r>
-              <a:rPr lang="en-GB" dirty="0" smtClean="0"/>
-              <a:t>Switch</a:t>
-            </a:r>
-          </a:p>
-          <a:p>
-            <a:endParaRPr lang="en-GB" dirty="0"/>
-          </a:p>
-        </p:txBody>
-      </p:sp>
-      <p:sp>
-        <p:nvSpPr>
-          <p:cNvPr id="4" name="TextBox 3"/>
-          <p:cNvSpPr txBox="1"/>
-          <p:nvPr/>
-        </p:nvSpPr>
-        <p:spPr>
-          <a:xfrm>
-            <a:off x="3491880" y="1347614"/>
-            <a:ext cx="5400600" cy="3600986"/>
-          </a:xfrm>
-          <a:prstGeom prst="rect">
-            <a:avLst/>
-          </a:prstGeom>
-          <a:noFill/>
-        </p:spPr>
-        <p:txBody>
-          <a:bodyPr wrap="square" rtlCol="0">
-            <a:spAutoFit/>
-          </a:bodyPr>
-          <a:lstStyle/>
-          <a:p>
-            <a:r>
-              <a:rPr lang="en-GB" sz="1200" dirty="0" smtClean="0">
-                <a:latin typeface="Courier New" pitchFamily="49" charset="0"/>
-                <a:cs typeface="Courier New" pitchFamily="49" charset="0"/>
-              </a:rPr>
-              <a:t>Hardware</a:t>
-            </a:r>
-          </a:p>
-          <a:p>
-            <a:r>
-              <a:rPr lang="en-GB" sz="1200" dirty="0" smtClean="0">
-                <a:latin typeface="Courier New" pitchFamily="49" charset="0"/>
-                <a:cs typeface="Courier New" pitchFamily="49" charset="0"/>
-              </a:rPr>
-              <a:t>   -------------------</a:t>
-            </a:r>
-            <a:r>
-              <a:rPr lang="en-GB" sz="1200" dirty="0">
-                <a:latin typeface="Courier New" pitchFamily="49" charset="0"/>
-                <a:cs typeface="Courier New" pitchFamily="49" charset="0"/>
-              </a:rPr>
-              <a:t>PORTA----------------</a:t>
-            </a:r>
-            <a:br>
-              <a:rPr lang="en-GB" sz="1200" dirty="0">
-                <a:latin typeface="Courier New" pitchFamily="49" charset="0"/>
-                <a:cs typeface="Courier New" pitchFamily="49" charset="0"/>
-              </a:rPr>
-            </a:br>
-            <a:r>
-              <a:rPr lang="en-GB" sz="1200" dirty="0" smtClean="0">
-                <a:latin typeface="Courier New" pitchFamily="49" charset="0"/>
-                <a:cs typeface="Courier New" pitchFamily="49" charset="0"/>
-              </a:rPr>
-              <a:t>   Bit</a:t>
-            </a:r>
-            <a:r>
-              <a:rPr lang="en-GB" sz="1200" dirty="0">
-                <a:latin typeface="Courier New" pitchFamily="49" charset="0"/>
-                <a:cs typeface="Courier New" pitchFamily="49" charset="0"/>
-              </a:rPr>
-              <a:t>#:  -7---6---5---4---</a:t>
-            </a:r>
-            <a:r>
-              <a:rPr lang="en-GB" sz="1200" b="1" dirty="0">
-                <a:latin typeface="Courier New" pitchFamily="49" charset="0"/>
-                <a:cs typeface="Courier New" pitchFamily="49" charset="0"/>
-              </a:rPr>
-              <a:t>3</a:t>
-            </a:r>
-            <a:r>
-              <a:rPr lang="en-GB" sz="1200" dirty="0">
-                <a:latin typeface="Courier New" pitchFamily="49" charset="0"/>
-                <a:cs typeface="Courier New" pitchFamily="49" charset="0"/>
-              </a:rPr>
-              <a:t>---2---1---</a:t>
-            </a:r>
-            <a:r>
-              <a:rPr lang="en-GB" sz="1200" b="1" dirty="0">
-                <a:latin typeface="Courier New" pitchFamily="49" charset="0"/>
-                <a:cs typeface="Courier New" pitchFamily="49" charset="0"/>
-              </a:rPr>
-              <a:t>0</a:t>
-            </a:r>
-            <a:r>
-              <a:rPr lang="en-GB" sz="1200" dirty="0">
-                <a:latin typeface="Courier New" pitchFamily="49" charset="0"/>
-                <a:cs typeface="Courier New" pitchFamily="49" charset="0"/>
-              </a:rPr>
-              <a:t>---</a:t>
-            </a:r>
-            <a:br>
-              <a:rPr lang="en-GB" sz="1200" dirty="0">
-                <a:latin typeface="Courier New" pitchFamily="49" charset="0"/>
-                <a:cs typeface="Courier New" pitchFamily="49" charset="0"/>
-              </a:rPr>
-            </a:br>
-            <a:r>
-              <a:rPr lang="en-GB" sz="1200" dirty="0" smtClean="0">
-                <a:latin typeface="Courier New" pitchFamily="49" charset="0"/>
-                <a:cs typeface="Courier New" pitchFamily="49" charset="0"/>
-              </a:rPr>
-              <a:t>   IO</a:t>
-            </a:r>
-            <a:r>
-              <a:rPr lang="en-GB" sz="1200" dirty="0">
-                <a:latin typeface="Courier New" pitchFamily="49" charset="0"/>
-                <a:cs typeface="Courier New" pitchFamily="49" charset="0"/>
-              </a:rPr>
-              <a:t>:    </a:t>
-            </a:r>
-            <a:r>
-              <a:rPr lang="en-GB" sz="1200" dirty="0" smtClean="0">
-                <a:latin typeface="Courier New" pitchFamily="49" charset="0"/>
-                <a:cs typeface="Courier New" pitchFamily="49" charset="0"/>
-              </a:rPr>
-              <a:t>-----------------</a:t>
-            </a:r>
-            <a:r>
-              <a:rPr lang="en-GB" sz="1200" b="1" dirty="0" smtClean="0">
-                <a:latin typeface="Courier New" pitchFamily="49" charset="0"/>
-                <a:cs typeface="Courier New" pitchFamily="49" charset="0"/>
-              </a:rPr>
-              <a:t>SW</a:t>
-            </a:r>
-            <a:r>
-              <a:rPr lang="en-GB" sz="1200" dirty="0" smtClean="0">
-                <a:latin typeface="Courier New" pitchFamily="49" charset="0"/>
-                <a:cs typeface="Courier New" pitchFamily="49" charset="0"/>
-              </a:rPr>
-              <a:t>---------</a:t>
-            </a:r>
-            <a:r>
-              <a:rPr lang="en-GB" sz="1200" b="1" dirty="0" smtClean="0">
-                <a:latin typeface="Courier New" pitchFamily="49" charset="0"/>
-                <a:cs typeface="Courier New" pitchFamily="49" charset="0"/>
-              </a:rPr>
-              <a:t>ADC</a:t>
-            </a:r>
-            <a:r>
-              <a:rPr lang="en-GB" sz="1200" dirty="0" smtClean="0">
-                <a:latin typeface="Courier New" pitchFamily="49" charset="0"/>
-                <a:cs typeface="Courier New" pitchFamily="49" charset="0"/>
-              </a:rPr>
-              <a:t>-</a:t>
-            </a:r>
-            <a:r>
-              <a:rPr lang="en-GB" sz="1200" dirty="0">
-                <a:latin typeface="Courier New" pitchFamily="49" charset="0"/>
-                <a:cs typeface="Courier New" pitchFamily="49" charset="0"/>
-              </a:rPr>
-              <a:t>-</a:t>
-            </a:r>
-            <a:br>
-              <a:rPr lang="en-GB" sz="1200" dirty="0">
-                <a:latin typeface="Courier New" pitchFamily="49" charset="0"/>
-                <a:cs typeface="Courier New" pitchFamily="49" charset="0"/>
-              </a:rPr>
-            </a:br>
-            <a:r>
-              <a:rPr lang="en-GB" sz="1200" dirty="0" smtClean="0">
-                <a:latin typeface="Courier New" pitchFamily="49" charset="0"/>
-                <a:cs typeface="Courier New" pitchFamily="49" charset="0"/>
-              </a:rPr>
-              <a:t>   -----------------------------------------</a:t>
-            </a:r>
-            <a:r>
-              <a:rPr lang="en-GB" sz="1200" dirty="0">
-                <a:latin typeface="Courier New" pitchFamily="49" charset="0"/>
-                <a:cs typeface="Courier New" pitchFamily="49" charset="0"/>
-              </a:rPr>
-              <a:t/>
-            </a:r>
-            <a:br>
-              <a:rPr lang="en-GB" sz="1200" dirty="0">
-                <a:latin typeface="Courier New" pitchFamily="49" charset="0"/>
-                <a:cs typeface="Courier New" pitchFamily="49" charset="0"/>
-              </a:rPr>
-            </a:br>
-            <a:r>
-              <a:rPr lang="en-GB" sz="1200" dirty="0">
-                <a:latin typeface="Courier New" pitchFamily="49" charset="0"/>
-                <a:cs typeface="Courier New" pitchFamily="49" charset="0"/>
-              </a:rPr>
-              <a:t/>
-            </a:r>
-            <a:br>
-              <a:rPr lang="en-GB" sz="1200" dirty="0">
-                <a:latin typeface="Courier New" pitchFamily="49" charset="0"/>
-                <a:cs typeface="Courier New" pitchFamily="49" charset="0"/>
-              </a:rPr>
-            </a:br>
-            <a:r>
-              <a:rPr lang="en-GB" sz="1200" dirty="0">
-                <a:latin typeface="Courier New" pitchFamily="49" charset="0"/>
-                <a:cs typeface="Courier New" pitchFamily="49" charset="0"/>
-              </a:rPr>
-              <a:t/>
-            </a:r>
-            <a:br>
-              <a:rPr lang="en-GB" sz="1200" dirty="0">
-                <a:latin typeface="Courier New" pitchFamily="49" charset="0"/>
-                <a:cs typeface="Courier New" pitchFamily="49" charset="0"/>
-              </a:rPr>
-            </a:br>
-            <a:r>
-              <a:rPr lang="en-GB" sz="1200" dirty="0" smtClean="0">
-                <a:latin typeface="Courier New" pitchFamily="49" charset="0"/>
-                <a:cs typeface="Courier New" pitchFamily="49" charset="0"/>
-              </a:rPr>
-              <a:t>   -------------------</a:t>
-            </a:r>
-            <a:r>
-              <a:rPr lang="en-GB" sz="1200" dirty="0">
-                <a:latin typeface="Courier New" pitchFamily="49" charset="0"/>
-                <a:cs typeface="Courier New" pitchFamily="49" charset="0"/>
-              </a:rPr>
-              <a:t>PORTB----------------</a:t>
-            </a:r>
-            <a:br>
-              <a:rPr lang="en-GB" sz="1200" dirty="0">
-                <a:latin typeface="Courier New" pitchFamily="49" charset="0"/>
-                <a:cs typeface="Courier New" pitchFamily="49" charset="0"/>
-              </a:rPr>
-            </a:br>
-            <a:r>
-              <a:rPr lang="en-GB" sz="1200" dirty="0" smtClean="0">
-                <a:latin typeface="Courier New" pitchFamily="49" charset="0"/>
-                <a:cs typeface="Courier New" pitchFamily="49" charset="0"/>
-              </a:rPr>
-              <a:t>   Bit</a:t>
-            </a:r>
-            <a:r>
-              <a:rPr lang="en-GB" sz="1200" dirty="0">
-                <a:latin typeface="Courier New" pitchFamily="49" charset="0"/>
-                <a:cs typeface="Courier New" pitchFamily="49" charset="0"/>
-              </a:rPr>
-              <a:t>#:  -</a:t>
-            </a:r>
-            <a:r>
-              <a:rPr lang="en-GB" sz="1200" b="1" dirty="0">
-                <a:latin typeface="Courier New" pitchFamily="49" charset="0"/>
-                <a:cs typeface="Courier New" pitchFamily="49" charset="0"/>
-              </a:rPr>
-              <a:t>7</a:t>
-            </a:r>
-            <a:r>
-              <a:rPr lang="en-GB" sz="1200" dirty="0">
-                <a:latin typeface="Courier New" pitchFamily="49" charset="0"/>
-                <a:cs typeface="Courier New" pitchFamily="49" charset="0"/>
-              </a:rPr>
-              <a:t>---6---5---4---3---2---1---0---</a:t>
-            </a:r>
-            <a:br>
-              <a:rPr lang="en-GB" sz="1200" dirty="0">
-                <a:latin typeface="Courier New" pitchFamily="49" charset="0"/>
-                <a:cs typeface="Courier New" pitchFamily="49" charset="0"/>
-              </a:rPr>
-            </a:br>
-            <a:r>
-              <a:rPr lang="en-GB" sz="1200" dirty="0" smtClean="0">
-                <a:latin typeface="Courier New" pitchFamily="49" charset="0"/>
-                <a:cs typeface="Courier New" pitchFamily="49" charset="0"/>
-              </a:rPr>
-              <a:t>   IO</a:t>
-            </a:r>
-            <a:r>
-              <a:rPr lang="en-GB" sz="1200" dirty="0">
-                <a:latin typeface="Courier New" pitchFamily="49" charset="0"/>
-                <a:cs typeface="Courier New" pitchFamily="49" charset="0"/>
-              </a:rPr>
-              <a:t>:    </a:t>
-            </a:r>
-            <a:r>
-              <a:rPr lang="en-GB" sz="1200" b="1" dirty="0" smtClean="0">
-                <a:latin typeface="Courier New" pitchFamily="49" charset="0"/>
-                <a:cs typeface="Courier New" pitchFamily="49" charset="0"/>
-              </a:rPr>
-              <a:t>TX</a:t>
-            </a:r>
-            <a:r>
-              <a:rPr lang="en-GB" sz="1200" dirty="0" smtClean="0">
-                <a:latin typeface="Courier New" pitchFamily="49" charset="0"/>
-                <a:cs typeface="Courier New" pitchFamily="49" charset="0"/>
-              </a:rPr>
-              <a:t>--------------------------------</a:t>
-            </a:r>
-            <a:r>
-              <a:rPr lang="en-GB" sz="1200" dirty="0">
-                <a:latin typeface="Courier New" pitchFamily="49" charset="0"/>
-                <a:cs typeface="Courier New" pitchFamily="49" charset="0"/>
-              </a:rPr>
-              <a:t/>
-            </a:r>
-            <a:br>
-              <a:rPr lang="en-GB" sz="1200" dirty="0">
-                <a:latin typeface="Courier New" pitchFamily="49" charset="0"/>
-                <a:cs typeface="Courier New" pitchFamily="49" charset="0"/>
-              </a:rPr>
-            </a:br>
-            <a:r>
-              <a:rPr lang="en-GB" sz="1200" dirty="0">
-                <a:latin typeface="Courier New" pitchFamily="49" charset="0"/>
-                <a:cs typeface="Courier New" pitchFamily="49" charset="0"/>
-              </a:rPr>
-              <a:t> </a:t>
-            </a:r>
-            <a:r>
-              <a:rPr lang="en-GB" sz="1200" dirty="0" smtClean="0">
-                <a:latin typeface="Courier New" pitchFamily="49" charset="0"/>
-                <a:cs typeface="Courier New" pitchFamily="49" charset="0"/>
-              </a:rPr>
-              <a:t>  -----------------------------------------</a:t>
-            </a:r>
-            <a:r>
-              <a:rPr lang="en-GB" sz="1200" dirty="0">
-                <a:latin typeface="Courier New" pitchFamily="49" charset="0"/>
-                <a:cs typeface="Courier New" pitchFamily="49" charset="0"/>
-              </a:rPr>
-              <a:t/>
-            </a:r>
-            <a:br>
-              <a:rPr lang="en-GB" sz="1200" dirty="0">
-                <a:latin typeface="Courier New" pitchFamily="49" charset="0"/>
-                <a:cs typeface="Courier New" pitchFamily="49" charset="0"/>
-              </a:rPr>
-            </a:br>
-            <a:r>
-              <a:rPr lang="en-GB" sz="1200" dirty="0">
-                <a:latin typeface="Courier New" pitchFamily="49" charset="0"/>
-                <a:cs typeface="Courier New" pitchFamily="49" charset="0"/>
-              </a:rPr>
-              <a:t/>
-            </a:r>
-            <a:br>
-              <a:rPr lang="en-GB" sz="1200" dirty="0">
-                <a:latin typeface="Courier New" pitchFamily="49" charset="0"/>
-                <a:cs typeface="Courier New" pitchFamily="49" charset="0"/>
-              </a:rPr>
-            </a:br>
-            <a:r>
-              <a:rPr lang="en-GB" sz="1200" dirty="0">
-                <a:latin typeface="Courier New" pitchFamily="49" charset="0"/>
-                <a:cs typeface="Courier New" pitchFamily="49" charset="0"/>
-              </a:rPr>
-              <a:t/>
-            </a:r>
-            <a:br>
-              <a:rPr lang="en-GB" sz="1200" dirty="0">
-                <a:latin typeface="Courier New" pitchFamily="49" charset="0"/>
-                <a:cs typeface="Courier New" pitchFamily="49" charset="0"/>
-              </a:rPr>
-            </a:br>
-            <a:r>
-              <a:rPr lang="en-GB" sz="1200" dirty="0" smtClean="0">
-                <a:latin typeface="Courier New" pitchFamily="49" charset="0"/>
-                <a:cs typeface="Courier New" pitchFamily="49" charset="0"/>
-              </a:rPr>
-              <a:t>   ------------------</a:t>
-            </a:r>
-            <a:r>
-              <a:rPr lang="en-GB" sz="1200" dirty="0">
-                <a:latin typeface="Courier New" pitchFamily="49" charset="0"/>
-                <a:cs typeface="Courier New" pitchFamily="49" charset="0"/>
-              </a:rPr>
-              <a:t>PORTC-----------------</a:t>
-            </a:r>
-            <a:br>
-              <a:rPr lang="en-GB" sz="1200" dirty="0">
-                <a:latin typeface="Courier New" pitchFamily="49" charset="0"/>
-                <a:cs typeface="Courier New" pitchFamily="49" charset="0"/>
-              </a:rPr>
-            </a:br>
-            <a:r>
-              <a:rPr lang="en-GB" sz="1200" dirty="0" smtClean="0">
-                <a:latin typeface="Courier New" pitchFamily="49" charset="0"/>
-                <a:cs typeface="Courier New" pitchFamily="49" charset="0"/>
-              </a:rPr>
-              <a:t>   Bit</a:t>
-            </a:r>
-            <a:r>
-              <a:rPr lang="en-GB" sz="1200" dirty="0">
-                <a:latin typeface="Courier New" pitchFamily="49" charset="0"/>
-                <a:cs typeface="Courier New" pitchFamily="49" charset="0"/>
-              </a:rPr>
-              <a:t>#:  -</a:t>
-            </a:r>
-            <a:r>
-              <a:rPr lang="en-GB" sz="1200" b="1" dirty="0">
-                <a:latin typeface="Courier New" pitchFamily="49" charset="0"/>
-                <a:cs typeface="Courier New" pitchFamily="49" charset="0"/>
-              </a:rPr>
-              <a:t>7</a:t>
-            </a:r>
-            <a:r>
-              <a:rPr lang="en-GB" sz="1200" dirty="0">
-                <a:latin typeface="Courier New" pitchFamily="49" charset="0"/>
-                <a:cs typeface="Courier New" pitchFamily="49" charset="0"/>
-              </a:rPr>
-              <a:t>---</a:t>
-            </a:r>
-            <a:r>
-              <a:rPr lang="en-GB" sz="1200" b="1" dirty="0">
-                <a:latin typeface="Courier New" pitchFamily="49" charset="0"/>
-                <a:cs typeface="Courier New" pitchFamily="49" charset="0"/>
-              </a:rPr>
-              <a:t>6</a:t>
-            </a:r>
-            <a:r>
-              <a:rPr lang="en-GB" sz="1200" dirty="0">
-                <a:latin typeface="Courier New" pitchFamily="49" charset="0"/>
-                <a:cs typeface="Courier New" pitchFamily="49" charset="0"/>
-              </a:rPr>
-              <a:t>---</a:t>
-            </a:r>
-            <a:r>
-              <a:rPr lang="en-GB" sz="1200" b="1" dirty="0">
-                <a:latin typeface="Courier New" pitchFamily="49" charset="0"/>
-                <a:cs typeface="Courier New" pitchFamily="49" charset="0"/>
-              </a:rPr>
-              <a:t>5</a:t>
-            </a:r>
-            <a:r>
-              <a:rPr lang="en-GB" sz="1200" dirty="0">
-                <a:latin typeface="Courier New" pitchFamily="49" charset="0"/>
-                <a:cs typeface="Courier New" pitchFamily="49" charset="0"/>
-              </a:rPr>
-              <a:t>---</a:t>
-            </a:r>
-            <a:r>
-              <a:rPr lang="en-GB" sz="1200" b="1" dirty="0">
-                <a:latin typeface="Courier New" pitchFamily="49" charset="0"/>
-                <a:cs typeface="Courier New" pitchFamily="49" charset="0"/>
-              </a:rPr>
-              <a:t>4</a:t>
-            </a:r>
-            <a:r>
-              <a:rPr lang="en-GB" sz="1200" dirty="0">
-                <a:latin typeface="Courier New" pitchFamily="49" charset="0"/>
-                <a:cs typeface="Courier New" pitchFamily="49" charset="0"/>
-              </a:rPr>
-              <a:t>---3---2---1---0---</a:t>
-            </a:r>
-            <a:br>
-              <a:rPr lang="en-GB" sz="1200" dirty="0">
-                <a:latin typeface="Courier New" pitchFamily="49" charset="0"/>
-                <a:cs typeface="Courier New" pitchFamily="49" charset="0"/>
-              </a:rPr>
-            </a:br>
-            <a:r>
-              <a:rPr lang="en-GB" sz="1200" dirty="0" smtClean="0">
-                <a:latin typeface="Courier New" pitchFamily="49" charset="0"/>
-                <a:cs typeface="Courier New" pitchFamily="49" charset="0"/>
-              </a:rPr>
-              <a:t>   IO</a:t>
-            </a:r>
-            <a:r>
-              <a:rPr lang="en-GB" sz="1200" dirty="0">
-                <a:latin typeface="Courier New" pitchFamily="49" charset="0"/>
-                <a:cs typeface="Courier New" pitchFamily="49" charset="0"/>
-              </a:rPr>
-              <a:t>:    </a:t>
-            </a:r>
-            <a:r>
-              <a:rPr lang="en-GB" sz="1200" b="1" dirty="0">
-                <a:latin typeface="Courier New" pitchFamily="49" charset="0"/>
-                <a:cs typeface="Courier New" pitchFamily="49" charset="0"/>
-              </a:rPr>
-              <a:t>LED</a:t>
-            </a:r>
-            <a:r>
-              <a:rPr lang="en-GB" sz="1200" dirty="0">
-                <a:latin typeface="Courier New" pitchFamily="49" charset="0"/>
-                <a:cs typeface="Courier New" pitchFamily="49" charset="0"/>
-              </a:rPr>
-              <a:t>-</a:t>
-            </a:r>
-            <a:r>
-              <a:rPr lang="en-GB" sz="1200" b="1" dirty="0">
-                <a:latin typeface="Courier New" pitchFamily="49" charset="0"/>
-                <a:cs typeface="Courier New" pitchFamily="49" charset="0"/>
-              </a:rPr>
-              <a:t>LED</a:t>
-            </a:r>
-            <a:r>
-              <a:rPr lang="en-GB" sz="1200" dirty="0">
-                <a:latin typeface="Courier New" pitchFamily="49" charset="0"/>
-                <a:cs typeface="Courier New" pitchFamily="49" charset="0"/>
-              </a:rPr>
-              <a:t>-</a:t>
-            </a:r>
-            <a:r>
-              <a:rPr lang="en-GB" sz="1200" b="1" dirty="0">
-                <a:latin typeface="Courier New" pitchFamily="49" charset="0"/>
-                <a:cs typeface="Courier New" pitchFamily="49" charset="0"/>
-              </a:rPr>
-              <a:t>LED</a:t>
-            </a:r>
-            <a:r>
-              <a:rPr lang="en-GB" sz="1200" dirty="0">
-                <a:latin typeface="Courier New" pitchFamily="49" charset="0"/>
-                <a:cs typeface="Courier New" pitchFamily="49" charset="0"/>
-              </a:rPr>
-              <a:t>-</a:t>
-            </a:r>
-            <a:r>
-              <a:rPr lang="en-GB" sz="1200" b="1" dirty="0">
-                <a:latin typeface="Courier New" pitchFamily="49" charset="0"/>
-                <a:cs typeface="Courier New" pitchFamily="49" charset="0"/>
-              </a:rPr>
-              <a:t>LED</a:t>
-            </a:r>
-            <a:r>
-              <a:rPr lang="en-GB" sz="1200" dirty="0">
-                <a:latin typeface="Courier New" pitchFamily="49" charset="0"/>
-                <a:cs typeface="Courier New" pitchFamily="49" charset="0"/>
-              </a:rPr>
-              <a:t>------------------</a:t>
-            </a:r>
-            <a:br>
-              <a:rPr lang="en-GB" sz="1200" dirty="0">
-                <a:latin typeface="Courier New" pitchFamily="49" charset="0"/>
-                <a:cs typeface="Courier New" pitchFamily="49" charset="0"/>
-              </a:rPr>
-            </a:br>
-            <a:r>
-              <a:rPr lang="en-GB" sz="1200" dirty="0">
-                <a:latin typeface="Courier New" pitchFamily="49" charset="0"/>
-                <a:cs typeface="Courier New" pitchFamily="49" charset="0"/>
-              </a:rPr>
-              <a:t> </a:t>
-            </a:r>
-            <a:r>
-              <a:rPr lang="en-GB" sz="1200" dirty="0" smtClean="0">
-                <a:latin typeface="Courier New" pitchFamily="49" charset="0"/>
-                <a:cs typeface="Courier New" pitchFamily="49" charset="0"/>
-              </a:rPr>
-              <a:t>  -----------------------------------------</a:t>
-            </a:r>
-            <a:r>
-              <a:rPr lang="en-GB" sz="1200" dirty="0">
-                <a:latin typeface="Courier New" pitchFamily="49" charset="0"/>
-                <a:cs typeface="Courier New" pitchFamily="49" charset="0"/>
-              </a:rPr>
-              <a:t/>
-            </a:r>
-            <a:br>
-              <a:rPr lang="en-GB" sz="1200" dirty="0">
-                <a:latin typeface="Courier New" pitchFamily="49" charset="0"/>
-                <a:cs typeface="Courier New" pitchFamily="49" charset="0"/>
-              </a:rPr>
-            </a:br>
-            <a:r>
-              <a:rPr lang="en-GB" sz="1200" dirty="0">
-                <a:latin typeface="Courier New" pitchFamily="49" charset="0"/>
-                <a:cs typeface="Courier New" pitchFamily="49" charset="0"/>
-              </a:rPr>
-              <a:t> </a:t>
-            </a:r>
-            <a:br>
-              <a:rPr lang="en-GB" sz="1200" dirty="0">
-                <a:latin typeface="Courier New" pitchFamily="49" charset="0"/>
-                <a:cs typeface="Courier New" pitchFamily="49" charset="0"/>
-              </a:rPr>
-            </a:br>
-            <a:endParaRPr lang="en-GB" sz="1200" dirty="0"/>
-          </a:p>
-        </p:txBody>
-      </p:sp>
-      <p:sp>
-        <p:nvSpPr>
-          <p:cNvPr id="5" name="Oval 4"/>
-          <p:cNvSpPr/>
-          <p:nvPr/>
-        </p:nvSpPr>
-        <p:spPr>
-          <a:xfrm>
-            <a:off x="6876256" y="1635646"/>
-            <a:ext cx="720080" cy="576064"/>
-          </a:xfrm>
-          <a:prstGeom prst="ellipse">
-            <a:avLst/>
-          </a:prstGeom>
-          <a:noFill/>
-          <a:ln>
-            <a:solidFill>
-              <a:srgbClr val="FF0000"/>
-            </a:solidFill>
-          </a:ln>
-        </p:spPr>
-        <p:style>
-          <a:lnRef idx="2">
-            <a:schemeClr val="accent1">
-              <a:shade val="50000"/>
-            </a:schemeClr>
-          </a:lnRef>
-          <a:fillRef idx="1">
-            <a:schemeClr val="accent1"/>
-          </a:fillRef>
-          <a:effectRef idx="0">
-            <a:schemeClr val="accent1"/>
-          </a:effectRef>
-          <a:fontRef idx="minor">
-            <a:schemeClr val="lt1"/>
-          </a:fontRef>
-        </p:style>
-        <p:txBody>
-          <a:bodyPr rtlCol="0" anchor="ctr"/>
-          <a:lstStyle/>
-          <a:p>
-            <a:pPr algn="ctr"/>
-            <a:endParaRPr lang="en-GB"/>
-          </a:p>
-        </p:txBody>
-      </p:sp>
-      <p:sp>
-        <p:nvSpPr>
-          <p:cNvPr id="6" name="Oval 5"/>
-          <p:cNvSpPr/>
-          <p:nvPr/>
-        </p:nvSpPr>
-        <p:spPr>
-          <a:xfrm>
-            <a:off x="4283968" y="3867894"/>
-            <a:ext cx="1800200" cy="576064"/>
-          </a:xfrm>
-          <a:prstGeom prst="ellipse">
-            <a:avLst/>
-          </a:prstGeom>
-          <a:noFill/>
-          <a:ln>
-            <a:solidFill>
-              <a:srgbClr val="FF0000"/>
-            </a:solidFill>
-          </a:ln>
-        </p:spPr>
-        <p:style>
-          <a:lnRef idx="2">
-            <a:schemeClr val="accent1">
-              <a:shade val="50000"/>
-            </a:schemeClr>
-          </a:lnRef>
-          <a:fillRef idx="1">
-            <a:schemeClr val="accent1"/>
-          </a:fillRef>
-          <a:effectRef idx="0">
-            <a:schemeClr val="accent1"/>
-          </a:effectRef>
-          <a:fontRef idx="minor">
-            <a:schemeClr val="lt1"/>
-          </a:fontRef>
-        </p:style>
-        <p:txBody>
-          <a:bodyPr rtlCol="0" anchor="ctr"/>
-          <a:lstStyle/>
-          <a:p>
-            <a:pPr algn="ctr"/>
-            <a:endParaRPr lang="en-GB"/>
-          </a:p>
-        </p:txBody>
-      </p:sp>
-      <p:sp>
-        <p:nvSpPr>
-          <p:cNvPr id="7" name="Oval 6"/>
-          <p:cNvSpPr/>
-          <p:nvPr/>
-        </p:nvSpPr>
-        <p:spPr>
-          <a:xfrm>
-            <a:off x="5796136" y="1635646"/>
-            <a:ext cx="720080" cy="576064"/>
-          </a:xfrm>
-          <a:prstGeom prst="ellipse">
-            <a:avLst/>
-          </a:prstGeom>
-          <a:noFill/>
-          <a:ln>
-            <a:solidFill>
-              <a:srgbClr val="FF0000"/>
-            </a:solidFill>
-          </a:ln>
-        </p:spPr>
-        <p:style>
-          <a:lnRef idx="2">
-            <a:schemeClr val="accent1">
-              <a:shade val="50000"/>
-            </a:schemeClr>
-          </a:lnRef>
-          <a:fillRef idx="1">
-            <a:schemeClr val="accent1"/>
-          </a:fillRef>
-          <a:effectRef idx="0">
-            <a:schemeClr val="accent1"/>
-          </a:effectRef>
-          <a:fontRef idx="minor">
-            <a:schemeClr val="lt1"/>
-          </a:fontRef>
-        </p:style>
-        <p:txBody>
-          <a:bodyPr rtlCol="0" anchor="ctr"/>
-          <a:lstStyle/>
-          <a:p>
-            <a:pPr algn="ctr"/>
-            <a:endParaRPr lang="en-GB"/>
-          </a:p>
-        </p:txBody>
-      </p:sp>
-      <p:sp>
-        <p:nvSpPr>
-          <p:cNvPr id="8" name="Oval 7"/>
-          <p:cNvSpPr/>
-          <p:nvPr/>
-        </p:nvSpPr>
-        <p:spPr>
-          <a:xfrm>
-            <a:off x="4323184" y="2787774"/>
-            <a:ext cx="720080" cy="576064"/>
-          </a:xfrm>
-          <a:prstGeom prst="ellipse">
-            <a:avLst/>
-          </a:prstGeom>
-          <a:noFill/>
-          <a:ln>
-            <a:solidFill>
-              <a:srgbClr val="FF0000"/>
-            </a:solidFill>
-          </a:ln>
-        </p:spPr>
-        <p:style>
-          <a:lnRef idx="2">
-            <a:schemeClr val="accent1">
-              <a:shade val="50000"/>
-            </a:schemeClr>
-          </a:lnRef>
-          <a:fillRef idx="1">
-            <a:schemeClr val="accent1"/>
-          </a:fillRef>
-          <a:effectRef idx="0">
-            <a:schemeClr val="accent1"/>
-          </a:effectRef>
-          <a:fontRef idx="minor">
-            <a:schemeClr val="lt1"/>
-          </a:fontRef>
-        </p:style>
-        <p:txBody>
-          <a:bodyPr rtlCol="0" anchor="ctr"/>
-          <a:lstStyle/>
-          <a:p>
-            <a:pPr algn="ctr"/>
-            <a:endParaRPr lang="en-GB"/>
-          </a:p>
         </p:txBody>
       </p:sp>
     </p:spTree>
-    <p:extLst>
-      <p:ext uri="{BB962C8B-B14F-4D97-AF65-F5344CB8AC3E}">
-        <p14:creationId xmlns:p14="http://schemas.microsoft.com/office/powerpoint/2010/main" val="2129275741"/>
-      </p:ext>
-    </p:extLst>
   </p:cSld>
   <p:clrMapOvr>
     <a:masterClrMapping/>
@@ -6654,6 +6065,186 @@
       </p:grpSpPr>
       <p:sp>
         <p:nvSpPr>
+          <p:cNvPr id="9" name="Rectangle 8"/>
+          <p:cNvSpPr/>
+          <p:nvPr/>
+        </p:nvSpPr>
+        <p:spPr>
+          <a:xfrm>
+            <a:off x="2627784" y="1084114"/>
+            <a:ext cx="6822504" cy="2970044"/>
+          </a:xfrm>
+          <a:prstGeom prst="rect">
+            <a:avLst/>
+          </a:prstGeom>
+        </p:spPr>
+        <p:txBody>
+          <a:bodyPr wrap="square">
+            <a:spAutoFit/>
+          </a:bodyPr>
+          <a:lstStyle/>
+          <a:p>
+            <a:r>
+              <a:rPr lang="en-GB" sz="1100" dirty="0">
+                <a:latin typeface="Courier New" pitchFamily="49" charset="0"/>
+                <a:cs typeface="Courier New" pitchFamily="49" charset="0"/>
+              </a:rPr>
+              <a:t>    Hardware</a:t>
+            </a:r>
+          </a:p>
+          <a:p>
+            <a:r>
+              <a:rPr lang="en-GB" sz="1100" dirty="0">
+                <a:latin typeface="Courier New" pitchFamily="49" charset="0"/>
+                <a:cs typeface="Courier New" pitchFamily="49" charset="0"/>
+              </a:rPr>
+              <a:t>    -------------------PORTA----------------</a:t>
+            </a:r>
+          </a:p>
+          <a:p>
+            <a:r>
+              <a:rPr lang="en-GB" sz="1100" dirty="0">
+                <a:latin typeface="Courier New" pitchFamily="49" charset="0"/>
+                <a:cs typeface="Courier New" pitchFamily="49" charset="0"/>
+              </a:rPr>
+              <a:t>    Bit#:  -7---6---5---4---3---2---1---0---</a:t>
+            </a:r>
+          </a:p>
+          <a:p>
+            <a:r>
+              <a:rPr lang="en-GB" sz="1100" dirty="0">
+                <a:latin typeface="Courier New" pitchFamily="49" charset="0"/>
+                <a:cs typeface="Courier New" pitchFamily="49" charset="0"/>
+              </a:rPr>
+              <a:t>    IO:    -----------------SW---------ADC-- </a:t>
+            </a:r>
+          </a:p>
+          <a:p>
+            <a:r>
+              <a:rPr lang="en-GB" sz="1100" dirty="0">
+                <a:latin typeface="Courier New" pitchFamily="49" charset="0"/>
+                <a:cs typeface="Courier New" pitchFamily="49" charset="0"/>
+              </a:rPr>
+              <a:t>    -----------------------------------------</a:t>
+            </a:r>
+          </a:p>
+          <a:p>
+            <a:r>
+              <a:rPr lang="en-GB" sz="1100" dirty="0">
+                <a:latin typeface="Courier New" pitchFamily="49" charset="0"/>
+                <a:cs typeface="Courier New" pitchFamily="49" charset="0"/>
+              </a:rPr>
+              <a:t/>
+            </a:r>
+            <a:br>
+              <a:rPr lang="en-GB" sz="1100" dirty="0">
+                <a:latin typeface="Courier New" pitchFamily="49" charset="0"/>
+                <a:cs typeface="Courier New" pitchFamily="49" charset="0"/>
+              </a:rPr>
+            </a:br>
+            <a:r>
+              <a:rPr lang="en-GB" sz="1100" dirty="0">
+                <a:latin typeface="Courier New" pitchFamily="49" charset="0"/>
+                <a:cs typeface="Courier New" pitchFamily="49" charset="0"/>
+              </a:rPr>
+              <a:t>    -------------------PORTB----------------</a:t>
+            </a:r>
+          </a:p>
+          <a:p>
+            <a:r>
+              <a:rPr lang="en-GB" sz="1100" dirty="0">
+                <a:latin typeface="Courier New" pitchFamily="49" charset="0"/>
+                <a:cs typeface="Courier New" pitchFamily="49" charset="0"/>
+              </a:rPr>
+              <a:t>    Bit#:  -7---6---5---4---3---2---1---0---</a:t>
+            </a:r>
+          </a:p>
+          <a:p>
+            <a:r>
+              <a:rPr lang="en-GB" sz="1100" dirty="0">
+                <a:latin typeface="Courier New" pitchFamily="49" charset="0"/>
+                <a:cs typeface="Courier New" pitchFamily="49" charset="0"/>
+              </a:rPr>
+              <a:t>    IO:    TX--SCK-SDA--^-------------------</a:t>
+            </a:r>
+          </a:p>
+          <a:p>
+            <a:r>
+              <a:rPr lang="en-GB" sz="1100" dirty="0">
+                <a:latin typeface="Courier New" pitchFamily="49" charset="0"/>
+                <a:cs typeface="Courier New" pitchFamily="49" charset="0"/>
+              </a:rPr>
+              <a:t>    ------------------VDDIO3---------------- You must apply correct Voltage</a:t>
+            </a:r>
+          </a:p>
+          <a:p>
+            <a:r>
+              <a:rPr lang="en-GB" sz="1100" dirty="0">
+                <a:latin typeface="Courier New" pitchFamily="49" charset="0"/>
+                <a:cs typeface="Courier New" pitchFamily="49" charset="0"/>
+              </a:rPr>
+              <a:t>    </a:t>
+            </a:r>
+          </a:p>
+          <a:p>
+            <a:r>
+              <a:rPr lang="en-GB" sz="1100" dirty="0">
+                <a:latin typeface="Courier New" pitchFamily="49" charset="0"/>
+                <a:cs typeface="Courier New" pitchFamily="49" charset="0"/>
+              </a:rPr>
+              <a:t>    ------------------PORTC-----------------</a:t>
+            </a:r>
+          </a:p>
+          <a:p>
+            <a:r>
+              <a:rPr lang="en-GB" sz="1100" dirty="0">
+                <a:latin typeface="Courier New" pitchFamily="49" charset="0"/>
+                <a:cs typeface="Courier New" pitchFamily="49" charset="0"/>
+              </a:rPr>
+              <a:t>    Bit#:  -7---6---5---4---3---2---1---0---</a:t>
+            </a:r>
+          </a:p>
+          <a:p>
+            <a:r>
+              <a:rPr lang="en-GB" sz="1100" dirty="0">
+                <a:latin typeface="Courier New" pitchFamily="49" charset="0"/>
+                <a:cs typeface="Courier New" pitchFamily="49" charset="0"/>
+              </a:rPr>
+              <a:t>    IO:    LED-LED-LED-LED------^-----------</a:t>
+            </a:r>
+          </a:p>
+          <a:p>
+            <a:r>
+              <a:rPr lang="en-GB" sz="1100" dirty="0">
+                <a:latin typeface="Courier New" pitchFamily="49" charset="0"/>
+                <a:cs typeface="Courier New" pitchFamily="49" charset="0"/>
+              </a:rPr>
+              <a:t>    --------------------------VDDIO2-------- You must apply correct Voltage</a:t>
+            </a:r>
+          </a:p>
+          <a:p>
+            <a:r>
+              <a:rPr lang="en-GB" sz="1100" dirty="0">
+                <a:latin typeface="Courier New" pitchFamily="49" charset="0"/>
+                <a:cs typeface="Courier New" pitchFamily="49" charset="0"/>
+              </a:rPr>
+              <a:t/>
+            </a:r>
+            <a:br>
+              <a:rPr lang="en-GB" sz="1100" dirty="0">
+                <a:latin typeface="Courier New" pitchFamily="49" charset="0"/>
+                <a:cs typeface="Courier New" pitchFamily="49" charset="0"/>
+              </a:rPr>
+            </a:br>
+            <a:endParaRPr lang="en-GB" sz="1100" dirty="0">
+              <a:latin typeface="Courier New" pitchFamily="49" charset="0"/>
+              <a:cs typeface="Courier New" pitchFamily="49" charset="0"/>
+            </a:endParaRPr>
+          </a:p>
+        </p:txBody>
+      </p:sp>
+      <p:sp>
+        <p:nvSpPr>
           <p:cNvPr id="2" name="Title 1"/>
           <p:cNvSpPr>
             <a:spLocks noGrp="1"/>
@@ -6664,7 +6255,7 @@
         </p:nvSpPr>
         <p:spPr>
           <a:xfrm>
-            <a:off x="0" y="0"/>
+            <a:off x="0" y="1"/>
             <a:ext cx="8229601" cy="857250"/>
           </a:xfrm>
         </p:spPr>
@@ -6675,118 +6266,274 @@
             <a:pPr algn="l"/>
             <a:r>
               <a:rPr lang="en-GB" dirty="0" smtClean="0"/>
-              <a:t>I</a:t>
-            </a:r>
-            <a:r>
-              <a:rPr lang="en-GB" baseline="30000" dirty="0" smtClean="0"/>
-              <a:t>2</a:t>
-            </a:r>
+              <a:t>Hardware</a:t>
+            </a:r>
+            <a:endParaRPr lang="en-GB" dirty="0"/>
+          </a:p>
+        </p:txBody>
+      </p:sp>
+      <p:sp>
+        <p:nvSpPr>
+          <p:cNvPr id="3" name="Content Placeholder 2"/>
+          <p:cNvSpPr>
+            <a:spLocks noGrp="1"/>
+          </p:cNvSpPr>
+          <p:nvPr>
+            <p:ph idx="1"/>
+          </p:nvPr>
+        </p:nvSpPr>
+        <p:spPr>
+          <a:xfrm>
+            <a:off x="179512" y="1210799"/>
+            <a:ext cx="8229601" cy="3394472"/>
+          </a:xfrm>
+        </p:spPr>
+        <p:txBody>
+          <a:bodyPr>
+            <a:normAutofit fontScale="85000" lnSpcReduction="20000"/>
+          </a:bodyPr>
+          <a:lstStyle/>
+          <a:p>
             <a:r>
               <a:rPr lang="en-GB" dirty="0" smtClean="0"/>
-              <a:t>C</a:t>
+              <a:t>Prototype Board</a:t>
             </a:r>
             <a:endParaRPr lang="en-GB" dirty="0"/>
           </a:p>
-        </p:txBody>
-      </p:sp>
-      <p:sp>
-        <p:nvSpPr>
-          <p:cNvPr id="3" name="Content Placeholder 2"/>
-          <p:cNvSpPr>
-            <a:spLocks noGrp="1"/>
-          </p:cNvSpPr>
-          <p:nvPr>
-            <p:ph idx="1"/>
-          </p:nvPr>
-        </p:nvSpPr>
-        <p:spPr/>
-        <p:txBody>
-          <a:bodyPr>
-            <a:normAutofit lnSpcReduction="10000"/>
-          </a:bodyPr>
-          <a:lstStyle/>
-          <a:p>
-            <a:r>
-              <a:rPr lang="en-GB" smtClean="0"/>
-              <a:t>I</a:t>
-            </a:r>
-            <a:r>
-              <a:rPr lang="en-GB" baseline="30000" smtClean="0"/>
-              <a:t>2</a:t>
-            </a:r>
-            <a:r>
-              <a:rPr lang="en-GB" smtClean="0"/>
-              <a:t>C </a:t>
-            </a:r>
+          <a:p>
             <a:r>
               <a:rPr lang="en-GB" dirty="0" smtClean="0"/>
-              <a:t>uses two bidirectional </a:t>
-            </a:r>
-            <a:r>
-              <a:rPr lang="en-GB" dirty="0" smtClean="0">
-                <a:hlinkClick r:id="rId2" tooltip="Open collector"/>
-              </a:rPr>
-              <a:t>open collector</a:t>
-            </a:r>
+              <a:t>Power 5v0</a:t>
+            </a:r>
+          </a:p>
+          <a:p>
             <a:r>
               <a:rPr lang="en-GB" dirty="0" smtClean="0"/>
-              <a:t> or </a:t>
-            </a:r>
-            <a:r>
-              <a:rPr lang="en-GB" dirty="0" smtClean="0">
-                <a:hlinkClick r:id="rId3" tooltip="Open drain"/>
-              </a:rPr>
-              <a:t>open drain</a:t>
-            </a:r>
+              <a:t>Programmer</a:t>
+            </a:r>
+          </a:p>
+          <a:p>
             <a:r>
               <a:rPr lang="en-GB" dirty="0" smtClean="0"/>
-              <a:t> lines </a:t>
-            </a:r>
-            <a:r>
-              <a:rPr lang="en-GB" dirty="0" smtClean="0">
-                <a:hlinkClick r:id="rId4" tooltip="Pull-up resistor"/>
-              </a:rPr>
-              <a:t>pulled up</a:t>
-            </a:r>
+              <a:t>Serial Port</a:t>
+            </a:r>
+          </a:p>
+          <a:p>
+            <a:endParaRPr lang="en-GB" dirty="0" smtClean="0"/>
+          </a:p>
+          <a:p>
             <a:r>
               <a:rPr lang="en-GB" dirty="0" smtClean="0"/>
-              <a:t> with </a:t>
-            </a:r>
-            <a:r>
-              <a:rPr lang="en-GB" dirty="0" smtClean="0">
-                <a:hlinkClick r:id="rId5" tooltip="Resistor"/>
-              </a:rPr>
-              <a:t>resistors</a:t>
-            </a:r>
-            <a:endParaRPr lang="en-GB" dirty="0" smtClean="0"/>
-          </a:p>
-          <a:p>
-            <a:pPr lvl="1"/>
+              <a:t>LEDs &amp; resistors</a:t>
+            </a:r>
+          </a:p>
+          <a:p>
             <a:r>
               <a:rPr lang="en-GB" dirty="0" smtClean="0"/>
-              <a:t>Serial Data Line (SDA) </a:t>
-            </a:r>
-          </a:p>
-          <a:p>
-            <a:pPr lvl="1"/>
+              <a:t>Potentiometer</a:t>
+            </a:r>
+          </a:p>
+          <a:p>
             <a:r>
               <a:rPr lang="en-GB" dirty="0" smtClean="0"/>
-              <a:t>Serial Clock Line (SCL)</a:t>
-            </a:r>
-          </a:p>
-          <a:p>
-            <a:endParaRPr lang="en-GB" dirty="0" smtClean="0"/>
-          </a:p>
-          <a:p>
-            <a:r>
-              <a:rPr lang="en-GB" dirty="0" smtClean="0"/>
-              <a:t>Typical voltages used are +5 V or +3.3 V, although systems with other voltages are permitted</a:t>
-            </a:r>
+              <a:t>Switch</a:t>
+            </a:r>
+          </a:p>
+          <a:p>
             <a:endParaRPr lang="en-GB" dirty="0"/>
           </a:p>
         </p:txBody>
       </p:sp>
+      <p:sp>
+        <p:nvSpPr>
+          <p:cNvPr id="5" name="Oval 4"/>
+          <p:cNvSpPr/>
+          <p:nvPr/>
+        </p:nvSpPr>
+        <p:spPr>
+          <a:xfrm>
+            <a:off x="5796136" y="1416968"/>
+            <a:ext cx="720080" cy="576064"/>
+          </a:xfrm>
+          <a:prstGeom prst="ellipse">
+            <a:avLst/>
+          </a:prstGeom>
+          <a:noFill/>
+          <a:ln>
+            <a:solidFill>
+              <a:srgbClr val="FF0000"/>
+            </a:solidFill>
+          </a:ln>
+        </p:spPr>
+        <p:style>
+          <a:lnRef idx="2">
+            <a:schemeClr val="accent1">
+              <a:shade val="50000"/>
+            </a:schemeClr>
+          </a:lnRef>
+          <a:fillRef idx="1">
+            <a:schemeClr val="accent1"/>
+          </a:fillRef>
+          <a:effectRef idx="0">
+            <a:schemeClr val="accent1"/>
+          </a:effectRef>
+          <a:fontRef idx="minor">
+            <a:schemeClr val="lt1"/>
+          </a:fontRef>
+        </p:style>
+        <p:txBody>
+          <a:bodyPr rtlCol="0" anchor="ctr"/>
+          <a:lstStyle/>
+          <a:p>
+            <a:pPr algn="ctr"/>
+            <a:endParaRPr lang="en-GB"/>
+          </a:p>
+        </p:txBody>
+      </p:sp>
+      <p:sp>
+        <p:nvSpPr>
+          <p:cNvPr id="6" name="Oval 5"/>
+          <p:cNvSpPr/>
+          <p:nvPr/>
+        </p:nvSpPr>
+        <p:spPr>
+          <a:xfrm>
+            <a:off x="3407668" y="3074144"/>
+            <a:ext cx="1800200" cy="576064"/>
+          </a:xfrm>
+          <a:prstGeom prst="ellipse">
+            <a:avLst/>
+          </a:prstGeom>
+          <a:noFill/>
+          <a:ln>
+            <a:solidFill>
+              <a:srgbClr val="FF0000"/>
+            </a:solidFill>
+          </a:ln>
+        </p:spPr>
+        <p:style>
+          <a:lnRef idx="2">
+            <a:schemeClr val="accent1">
+              <a:shade val="50000"/>
+            </a:schemeClr>
+          </a:lnRef>
+          <a:fillRef idx="1">
+            <a:schemeClr val="accent1"/>
+          </a:fillRef>
+          <a:effectRef idx="0">
+            <a:schemeClr val="accent1"/>
+          </a:effectRef>
+          <a:fontRef idx="minor">
+            <a:schemeClr val="lt1"/>
+          </a:fontRef>
+        </p:style>
+        <p:txBody>
+          <a:bodyPr rtlCol="0" anchor="ctr"/>
+          <a:lstStyle/>
+          <a:p>
+            <a:pPr algn="ctr"/>
+            <a:endParaRPr lang="en-GB"/>
+          </a:p>
+        </p:txBody>
+      </p:sp>
+      <p:sp>
+        <p:nvSpPr>
+          <p:cNvPr id="7" name="Oval 6"/>
+          <p:cNvSpPr/>
+          <p:nvPr/>
+        </p:nvSpPr>
+        <p:spPr>
+          <a:xfrm>
+            <a:off x="4824028" y="1419622"/>
+            <a:ext cx="720080" cy="576064"/>
+          </a:xfrm>
+          <a:prstGeom prst="ellipse">
+            <a:avLst/>
+          </a:prstGeom>
+          <a:noFill/>
+          <a:ln>
+            <a:solidFill>
+              <a:srgbClr val="FF0000"/>
+            </a:solidFill>
+          </a:ln>
+        </p:spPr>
+        <p:style>
+          <a:lnRef idx="2">
+            <a:schemeClr val="accent1">
+              <a:shade val="50000"/>
+            </a:schemeClr>
+          </a:lnRef>
+          <a:fillRef idx="1">
+            <a:schemeClr val="accent1"/>
+          </a:fillRef>
+          <a:effectRef idx="0">
+            <a:schemeClr val="accent1"/>
+          </a:effectRef>
+          <a:fontRef idx="minor">
+            <a:schemeClr val="lt1"/>
+          </a:fontRef>
+        </p:style>
+        <p:txBody>
+          <a:bodyPr rtlCol="0" anchor="ctr"/>
+          <a:lstStyle/>
+          <a:p>
+            <a:pPr algn="ctr"/>
+            <a:endParaRPr lang="en-GB"/>
+          </a:p>
+        </p:txBody>
+      </p:sp>
+      <p:sp>
+        <p:nvSpPr>
+          <p:cNvPr id="8" name="Oval 7"/>
+          <p:cNvSpPr/>
+          <p:nvPr/>
+        </p:nvSpPr>
+        <p:spPr>
+          <a:xfrm>
+            <a:off x="3167484" y="2216274"/>
+            <a:ext cx="720080" cy="576064"/>
+          </a:xfrm>
+          <a:prstGeom prst="ellipse">
+            <a:avLst/>
+          </a:prstGeom>
+          <a:noFill/>
+          <a:ln>
+            <a:solidFill>
+              <a:srgbClr val="FF0000"/>
+            </a:solidFill>
+          </a:ln>
+        </p:spPr>
+        <p:style>
+          <a:lnRef idx="2">
+            <a:schemeClr val="accent1">
+              <a:shade val="50000"/>
+            </a:schemeClr>
+          </a:lnRef>
+          <a:fillRef idx="1">
+            <a:schemeClr val="accent1"/>
+          </a:fillRef>
+          <a:effectRef idx="0">
+            <a:schemeClr val="accent1"/>
+          </a:effectRef>
+          <a:fontRef idx="minor">
+            <a:schemeClr val="lt1"/>
+          </a:fontRef>
+        </p:style>
+        <p:txBody>
+          <a:bodyPr rtlCol="0" anchor="ctr"/>
+          <a:lstStyle/>
+          <a:p>
+            <a:pPr algn="ctr"/>
+            <a:endParaRPr lang="en-GB"/>
+          </a:p>
+        </p:txBody>
+      </p:sp>
     </p:spTree>
+    <p:extLst>
+      <p:ext uri="{BB962C8B-B14F-4D97-AF65-F5344CB8AC3E}">
+        <p14:creationId xmlns:p14="http://schemas.microsoft.com/office/powerpoint/2010/main" val="1536925164"/>
+      </p:ext>
+    </p:extLst>
   </p:cSld>
   <p:clrMapOvr>
     <a:masterClrMapping/>
@@ -6821,441 +6568,529 @@
       </p:grpSpPr>
       <p:sp>
         <p:nvSpPr>
-          <p:cNvPr id="2" name="Title 1"/>
-          <p:cNvSpPr>
-            <a:spLocks noGrp="1"/>
-          </p:cNvSpPr>
-          <p:nvPr>
-            <p:ph type="title"/>
-          </p:nvPr>
+          <p:cNvPr id="9" name="Rectangle 8"/>
+          <p:cNvSpPr/>
+          <p:nvPr/>
         </p:nvSpPr>
         <p:spPr>
           <a:xfrm>
-            <a:off x="2" y="1"/>
-            <a:ext cx="8229601" cy="857250"/>
-          </a:xfrm>
-        </p:spPr>
-        <p:txBody>
-          <a:bodyPr/>
-          <a:lstStyle/>
-          <a:p>
-            <a:pPr algn="l"/>
-            <a:r>
-              <a:rPr lang="en-GB" dirty="0" smtClean="0"/>
-              <a:t>Setup</a:t>
-            </a:r>
-            <a:endParaRPr lang="en-GB" dirty="0"/>
-          </a:p>
-        </p:txBody>
-      </p:sp>
-      <p:pic>
-        <p:nvPicPr>
-          <p:cNvPr id="3" name="Picture 2"/>
-          <p:cNvPicPr>
-            <a:picLocks noChangeAspect="1" noChangeArrowheads="1"/>
-          </p:cNvPicPr>
-          <p:nvPr/>
-        </p:nvPicPr>
-        <p:blipFill>
-          <a:blip r:embed="rId2" cstate="print"/>
-          <a:srcRect/>
-          <a:stretch>
-            <a:fillRect/>
-          </a:stretch>
-        </p:blipFill>
-        <p:spPr bwMode="auto">
-          <a:xfrm>
-            <a:off x="4139952" y="0"/>
-            <a:ext cx="1910822" cy="2160836"/>
+            <a:off x="2627784" y="1084114"/>
+            <a:ext cx="6822504" cy="2970044"/>
           </a:xfrm>
           <a:prstGeom prst="rect">
             <a:avLst/>
           </a:prstGeom>
-          <a:noFill/>
-          <a:ln w="9525">
-            <a:noFill/>
-            <a:miter lim="800000"/>
-            <a:headEnd/>
-            <a:tailEnd/>
-          </a:ln>
-          <a:effectLst/>
-        </p:spPr>
-      </p:pic>
-      <p:cxnSp>
-        <p:nvCxnSpPr>
-          <p:cNvPr id="16" name="Straight Connector 15"/>
-          <p:cNvCxnSpPr/>
+        </p:spPr>
+        <p:txBody>
+          <a:bodyPr wrap="square">
+            <a:spAutoFit/>
+          </a:bodyPr>
+          <a:lstStyle/>
+          <a:p>
+            <a:r>
+              <a:rPr lang="en-GB" sz="1100" dirty="0">
+                <a:latin typeface="Courier New" pitchFamily="49" charset="0"/>
+                <a:cs typeface="Courier New" pitchFamily="49" charset="0"/>
+              </a:rPr>
+              <a:t>    Hardware</a:t>
+            </a:r>
+          </a:p>
+          <a:p>
+            <a:r>
+              <a:rPr lang="en-GB" sz="1100" dirty="0">
+                <a:latin typeface="Courier New" pitchFamily="49" charset="0"/>
+                <a:cs typeface="Courier New" pitchFamily="49" charset="0"/>
+              </a:rPr>
+              <a:t>    -------------------PORTA----------------</a:t>
+            </a:r>
+          </a:p>
+          <a:p>
+            <a:r>
+              <a:rPr lang="en-GB" sz="1100" dirty="0">
+                <a:latin typeface="Courier New" pitchFamily="49" charset="0"/>
+                <a:cs typeface="Courier New" pitchFamily="49" charset="0"/>
+              </a:rPr>
+              <a:t>    Bit#:  -7---6---5---4---3---2---1---0---</a:t>
+            </a:r>
+          </a:p>
+          <a:p>
+            <a:r>
+              <a:rPr lang="en-GB" sz="1100" dirty="0">
+                <a:latin typeface="Courier New" pitchFamily="49" charset="0"/>
+                <a:cs typeface="Courier New" pitchFamily="49" charset="0"/>
+              </a:rPr>
+              <a:t>    IO:    -----------------SW---------ADC-- </a:t>
+            </a:r>
+          </a:p>
+          <a:p>
+            <a:r>
+              <a:rPr lang="en-GB" sz="1100" dirty="0">
+                <a:latin typeface="Courier New" pitchFamily="49" charset="0"/>
+                <a:cs typeface="Courier New" pitchFamily="49" charset="0"/>
+              </a:rPr>
+              <a:t>    -----------------------------------------</a:t>
+            </a:r>
+          </a:p>
+          <a:p>
+            <a:r>
+              <a:rPr lang="en-GB" sz="1100" dirty="0">
+                <a:latin typeface="Courier New" pitchFamily="49" charset="0"/>
+                <a:cs typeface="Courier New" pitchFamily="49" charset="0"/>
+              </a:rPr>
+              <a:t/>
+            </a:r>
+            <a:br>
+              <a:rPr lang="en-GB" sz="1100" dirty="0">
+                <a:latin typeface="Courier New" pitchFamily="49" charset="0"/>
+                <a:cs typeface="Courier New" pitchFamily="49" charset="0"/>
+              </a:rPr>
+            </a:br>
+            <a:r>
+              <a:rPr lang="en-GB" sz="1100" dirty="0">
+                <a:latin typeface="Courier New" pitchFamily="49" charset="0"/>
+                <a:cs typeface="Courier New" pitchFamily="49" charset="0"/>
+              </a:rPr>
+              <a:t>    -------------------PORTB----------------</a:t>
+            </a:r>
+          </a:p>
+          <a:p>
+            <a:r>
+              <a:rPr lang="en-GB" sz="1100" dirty="0">
+                <a:latin typeface="Courier New" pitchFamily="49" charset="0"/>
+                <a:cs typeface="Courier New" pitchFamily="49" charset="0"/>
+              </a:rPr>
+              <a:t>    Bit#:  -7---6---5---4---3---2---1---0---</a:t>
+            </a:r>
+          </a:p>
+          <a:p>
+            <a:r>
+              <a:rPr lang="en-GB" sz="1100" dirty="0">
+                <a:latin typeface="Courier New" pitchFamily="49" charset="0"/>
+                <a:cs typeface="Courier New" pitchFamily="49" charset="0"/>
+              </a:rPr>
+              <a:t>    IO:    TX--SCK-SDA--^-------------------</a:t>
+            </a:r>
+          </a:p>
+          <a:p>
+            <a:r>
+              <a:rPr lang="en-GB" sz="1100" dirty="0">
+                <a:latin typeface="Courier New" pitchFamily="49" charset="0"/>
+                <a:cs typeface="Courier New" pitchFamily="49" charset="0"/>
+              </a:rPr>
+              <a:t>    ------------------VDDIO3---------------- You must apply correct Voltage</a:t>
+            </a:r>
+          </a:p>
+          <a:p>
+            <a:r>
+              <a:rPr lang="en-GB" sz="1100" dirty="0">
+                <a:latin typeface="Courier New" pitchFamily="49" charset="0"/>
+                <a:cs typeface="Courier New" pitchFamily="49" charset="0"/>
+              </a:rPr>
+              <a:t>    </a:t>
+            </a:r>
+          </a:p>
+          <a:p>
+            <a:r>
+              <a:rPr lang="en-GB" sz="1100" dirty="0">
+                <a:latin typeface="Courier New" pitchFamily="49" charset="0"/>
+                <a:cs typeface="Courier New" pitchFamily="49" charset="0"/>
+              </a:rPr>
+              <a:t>    ------------------PORTC-----------------</a:t>
+            </a:r>
+          </a:p>
+          <a:p>
+            <a:r>
+              <a:rPr lang="en-GB" sz="1100" dirty="0">
+                <a:latin typeface="Courier New" pitchFamily="49" charset="0"/>
+                <a:cs typeface="Courier New" pitchFamily="49" charset="0"/>
+              </a:rPr>
+              <a:t>    Bit#:  -7---6---5---4---3---2---1---0---</a:t>
+            </a:r>
+          </a:p>
+          <a:p>
+            <a:r>
+              <a:rPr lang="en-GB" sz="1100" dirty="0">
+                <a:latin typeface="Courier New" pitchFamily="49" charset="0"/>
+                <a:cs typeface="Courier New" pitchFamily="49" charset="0"/>
+              </a:rPr>
+              <a:t>    IO:    LED-LED-LED-LED------^-----------</a:t>
+            </a:r>
+          </a:p>
+          <a:p>
+            <a:r>
+              <a:rPr lang="en-GB" sz="1100" dirty="0">
+                <a:latin typeface="Courier New" pitchFamily="49" charset="0"/>
+                <a:cs typeface="Courier New" pitchFamily="49" charset="0"/>
+              </a:rPr>
+              <a:t>    --------------------------VDDIO2-------- You must apply correct Voltage</a:t>
+            </a:r>
+          </a:p>
+          <a:p>
+            <a:r>
+              <a:rPr lang="en-GB" sz="1100" dirty="0">
+                <a:latin typeface="Courier New" pitchFamily="49" charset="0"/>
+                <a:cs typeface="Courier New" pitchFamily="49" charset="0"/>
+              </a:rPr>
+              <a:t/>
+            </a:r>
+            <a:br>
+              <a:rPr lang="en-GB" sz="1100" dirty="0">
+                <a:latin typeface="Courier New" pitchFamily="49" charset="0"/>
+                <a:cs typeface="Courier New" pitchFamily="49" charset="0"/>
+              </a:rPr>
+            </a:br>
+            <a:endParaRPr lang="en-GB" sz="1100" dirty="0">
+              <a:latin typeface="Courier New" pitchFamily="49" charset="0"/>
+              <a:cs typeface="Courier New" pitchFamily="49" charset="0"/>
+            </a:endParaRPr>
+          </a:p>
+        </p:txBody>
+      </p:sp>
+      <p:sp>
+        <p:nvSpPr>
+          <p:cNvPr id="2" name="Title 1"/>
+          <p:cNvSpPr>
+            <a:spLocks noGrp="1"/>
+          </p:cNvSpPr>
+          <p:nvPr>
+            <p:ph type="title"/>
+          </p:nvPr>
+        </p:nvSpPr>
+        <p:spPr>
+          <a:xfrm>
+            <a:off x="0" y="1"/>
+            <a:ext cx="8229601" cy="857250"/>
+          </a:xfrm>
+        </p:spPr>
+        <p:txBody>
+          <a:bodyPr/>
+          <a:lstStyle/>
+          <a:p>
+            <a:pPr algn="l"/>
+            <a:r>
+              <a:rPr lang="en-GB" dirty="0" smtClean="0"/>
+              <a:t>Hardware</a:t>
+            </a:r>
+            <a:endParaRPr lang="en-GB" dirty="0"/>
+          </a:p>
+        </p:txBody>
+      </p:sp>
+      <p:sp>
+        <p:nvSpPr>
+          <p:cNvPr id="3" name="Content Placeholder 2"/>
+          <p:cNvSpPr>
+            <a:spLocks noGrp="1"/>
+          </p:cNvSpPr>
+          <p:nvPr>
+            <p:ph idx="1"/>
+          </p:nvPr>
+        </p:nvSpPr>
+        <p:spPr>
+          <a:xfrm>
+            <a:off x="179512" y="1210799"/>
+            <a:ext cx="8229601" cy="3394472"/>
+          </a:xfrm>
+        </p:spPr>
+        <p:txBody>
+          <a:bodyPr>
+            <a:normAutofit fontScale="85000" lnSpcReduction="20000"/>
+          </a:bodyPr>
+          <a:lstStyle/>
+          <a:p>
+            <a:r>
+              <a:rPr lang="en-GB" dirty="0" smtClean="0"/>
+              <a:t>Prototype Board</a:t>
+            </a:r>
+            <a:endParaRPr lang="en-GB" dirty="0"/>
+          </a:p>
+          <a:p>
+            <a:r>
+              <a:rPr lang="en-GB" dirty="0" smtClean="0"/>
+              <a:t>Power 5v0</a:t>
+            </a:r>
+          </a:p>
+          <a:p>
+            <a:r>
+              <a:rPr lang="en-GB" dirty="0" smtClean="0"/>
+              <a:t>Programmer</a:t>
+            </a:r>
+          </a:p>
+          <a:p>
+            <a:r>
+              <a:rPr lang="en-GB" dirty="0" smtClean="0"/>
+              <a:t>Serial Port</a:t>
+            </a:r>
+          </a:p>
+          <a:p>
+            <a:endParaRPr lang="en-GB" dirty="0" smtClean="0"/>
+          </a:p>
+          <a:p>
+            <a:r>
+              <a:rPr lang="en-GB" dirty="0" smtClean="0"/>
+              <a:t>LEDs &amp; resistors</a:t>
+            </a:r>
+          </a:p>
+          <a:p>
+            <a:r>
+              <a:rPr lang="en-GB" dirty="0" smtClean="0"/>
+              <a:t>Potentiometer</a:t>
+            </a:r>
+          </a:p>
+          <a:p>
+            <a:r>
+              <a:rPr lang="en-GB" dirty="0" smtClean="0"/>
+              <a:t>Switch</a:t>
+            </a:r>
+          </a:p>
+          <a:p>
+            <a:endParaRPr lang="en-GB" dirty="0"/>
+          </a:p>
+        </p:txBody>
+      </p:sp>
+      <p:sp>
+        <p:nvSpPr>
+          <p:cNvPr id="5" name="Oval 4"/>
+          <p:cNvSpPr/>
           <p:nvPr/>
-        </p:nvCxnSpPr>
+        </p:nvSpPr>
         <p:spPr>
-          <a:xfrm flipV="1">
-            <a:off x="5181600" y="96396"/>
-            <a:ext cx="0" cy="432048"/>
-          </a:xfrm>
-          <a:prstGeom prst="line">
+          <a:xfrm>
+            <a:off x="5796136" y="1416968"/>
+            <a:ext cx="720080" cy="576064"/>
+          </a:xfrm>
+          <a:prstGeom prst="ellipse">
             <a:avLst/>
           </a:prstGeom>
-          <a:ln w="28575">
+          <a:noFill/>
+          <a:ln>
             <a:solidFill>
-              <a:srgbClr val="FFFF00"/>
+              <a:srgbClr val="1C1C1C">
+                <a:alpha val="74902"/>
+              </a:srgbClr>
             </a:solidFill>
           </a:ln>
         </p:spPr>
         <p:style>
-          <a:lnRef idx="1">
-            <a:schemeClr val="accent1"/>
+          <a:lnRef idx="2">
+            <a:schemeClr val="accent1">
+              <a:shade val="50000"/>
+            </a:schemeClr>
           </a:lnRef>
-          <a:fillRef idx="0">
+          <a:fillRef idx="1">
             <a:schemeClr val="accent1"/>
           </a:fillRef>
           <a:effectRef idx="0">
             <a:schemeClr val="accent1"/>
           </a:effectRef>
           <a:fontRef idx="minor">
-            <a:schemeClr val="tx1"/>
+            <a:schemeClr val="lt1"/>
           </a:fontRef>
         </p:style>
-      </p:cxnSp>
-      <p:cxnSp>
-        <p:nvCxnSpPr>
-          <p:cNvPr id="20" name="Straight Connector 19"/>
-          <p:cNvCxnSpPr/>
+        <p:txBody>
+          <a:bodyPr rtlCol="0" anchor="ctr"/>
+          <a:lstStyle/>
+          <a:p>
+            <a:pPr algn="ctr"/>
+            <a:endParaRPr lang="en-GB"/>
+          </a:p>
+        </p:txBody>
+      </p:sp>
+      <p:sp>
+        <p:nvSpPr>
+          <p:cNvPr id="6" name="Oval 5"/>
+          <p:cNvSpPr/>
           <p:nvPr/>
-        </p:nvCxnSpPr>
+        </p:nvSpPr>
         <p:spPr>
           <a:xfrm>
-            <a:off x="5188848" y="106680"/>
-            <a:ext cx="1265292" cy="0"/>
-          </a:xfrm>
-          <a:prstGeom prst="line">
+            <a:off x="3407668" y="3074144"/>
+            <a:ext cx="1800200" cy="576064"/>
+          </a:xfrm>
+          <a:prstGeom prst="ellipse">
             <a:avLst/>
           </a:prstGeom>
-          <a:ln w="28575">
+          <a:noFill/>
+          <a:ln>
             <a:solidFill>
-              <a:srgbClr val="FFFF00"/>
+              <a:srgbClr val="1C1C1C">
+                <a:alpha val="74902"/>
+              </a:srgbClr>
             </a:solidFill>
           </a:ln>
         </p:spPr>
         <p:style>
-          <a:lnRef idx="1">
-            <a:schemeClr val="accent1"/>
+          <a:lnRef idx="2">
+            <a:schemeClr val="accent1">
+              <a:shade val="50000"/>
+            </a:schemeClr>
           </a:lnRef>
-          <a:fillRef idx="0">
+          <a:fillRef idx="1">
             <a:schemeClr val="accent1"/>
           </a:fillRef>
           <a:effectRef idx="0">
             <a:schemeClr val="accent1"/>
           </a:effectRef>
           <a:fontRef idx="minor">
-            <a:schemeClr val="tx1"/>
+            <a:schemeClr val="lt1"/>
           </a:fontRef>
         </p:style>
-      </p:cxnSp>
-      <p:cxnSp>
-        <p:nvCxnSpPr>
-          <p:cNvPr id="23" name="Straight Connector 22"/>
-          <p:cNvCxnSpPr/>
+        <p:txBody>
+          <a:bodyPr rtlCol="0" anchor="ctr"/>
+          <a:lstStyle/>
+          <a:p>
+            <a:pPr algn="ctr"/>
+            <a:endParaRPr lang="en-GB"/>
+          </a:p>
+        </p:txBody>
+      </p:sp>
+      <p:sp>
+        <p:nvSpPr>
+          <p:cNvPr id="7" name="Oval 6"/>
+          <p:cNvSpPr/>
           <p:nvPr/>
-        </p:nvCxnSpPr>
+        </p:nvSpPr>
         <p:spPr>
-          <a:xfrm flipH="1" flipV="1">
-            <a:off x="6446520" y="114300"/>
-            <a:ext cx="52144" cy="3249538"/>
-          </a:xfrm>
-          <a:prstGeom prst="line">
+          <a:xfrm>
+            <a:off x="4824028" y="1419622"/>
+            <a:ext cx="720080" cy="576064"/>
+          </a:xfrm>
+          <a:prstGeom prst="ellipse">
             <a:avLst/>
           </a:prstGeom>
-          <a:ln w="28575">
+          <a:noFill/>
+          <a:ln>
             <a:solidFill>
-              <a:srgbClr val="FFFF00"/>
+              <a:srgbClr val="1C1C1C">
+                <a:alpha val="74902"/>
+              </a:srgbClr>
             </a:solidFill>
           </a:ln>
         </p:spPr>
         <p:style>
-          <a:lnRef idx="1">
-            <a:schemeClr val="accent1"/>
+          <a:lnRef idx="2">
+            <a:schemeClr val="accent1">
+              <a:shade val="50000"/>
+            </a:schemeClr>
           </a:lnRef>
-          <a:fillRef idx="0">
+          <a:fillRef idx="1">
             <a:schemeClr val="accent1"/>
           </a:fillRef>
           <a:effectRef idx="0">
             <a:schemeClr val="accent1"/>
           </a:effectRef>
           <a:fontRef idx="minor">
-            <a:schemeClr val="tx1"/>
+            <a:schemeClr val="lt1"/>
           </a:fontRef>
         </p:style>
-      </p:cxnSp>
-      <p:cxnSp>
-        <p:nvCxnSpPr>
-          <p:cNvPr id="29" name="Straight Connector 28"/>
-          <p:cNvCxnSpPr/>
+        <p:txBody>
+          <a:bodyPr rtlCol="0" anchor="ctr"/>
+          <a:lstStyle/>
+          <a:p>
+            <a:pPr algn="ctr"/>
+            <a:endParaRPr lang="en-GB"/>
+          </a:p>
+        </p:txBody>
+      </p:sp>
+      <p:sp>
+        <p:nvSpPr>
+          <p:cNvPr id="10" name="Oval 9"/>
+          <p:cNvSpPr/>
           <p:nvPr/>
-        </p:nvCxnSpPr>
+        </p:nvSpPr>
         <p:spPr>
-          <a:xfrm flipH="1" flipV="1">
-            <a:off x="5303520" y="350520"/>
-            <a:ext cx="11440" cy="167610"/>
-          </a:xfrm>
-          <a:prstGeom prst="line">
+          <a:xfrm>
+            <a:off x="3167484" y="2216274"/>
+            <a:ext cx="756444" cy="576064"/>
+          </a:xfrm>
+          <a:prstGeom prst="ellipse">
             <a:avLst/>
           </a:prstGeom>
-          <a:ln w="28575">
+          <a:noFill/>
+          <a:ln>
             <a:solidFill>
-              <a:schemeClr val="tx2"/>
+              <a:srgbClr val="1C1C1C">
+                <a:alpha val="74902"/>
+              </a:srgbClr>
             </a:solidFill>
           </a:ln>
         </p:spPr>
         <p:style>
-          <a:lnRef idx="1">
-            <a:schemeClr val="accent1"/>
+          <a:lnRef idx="2">
+            <a:schemeClr val="accent1">
+              <a:shade val="50000"/>
+            </a:schemeClr>
           </a:lnRef>
-          <a:fillRef idx="0">
+          <a:fillRef idx="1">
             <a:schemeClr val="accent1"/>
           </a:fillRef>
           <a:effectRef idx="0">
             <a:schemeClr val="accent1"/>
           </a:effectRef>
           <a:fontRef idx="minor">
-            <a:schemeClr val="tx1"/>
+            <a:schemeClr val="lt1"/>
           </a:fontRef>
         </p:style>
-      </p:cxnSp>
-      <p:cxnSp>
-        <p:nvCxnSpPr>
-          <p:cNvPr id="34" name="Straight Connector 33"/>
-          <p:cNvCxnSpPr/>
+        <p:txBody>
+          <a:bodyPr rtlCol="0" anchor="ctr"/>
+          <a:lstStyle/>
+          <a:p>
+            <a:pPr algn="ctr"/>
+            <a:endParaRPr lang="en-GB"/>
+          </a:p>
+        </p:txBody>
+      </p:sp>
+      <p:sp>
+        <p:nvSpPr>
+          <p:cNvPr id="11" name="Oval 10"/>
+          <p:cNvSpPr/>
           <p:nvPr/>
-        </p:nvCxnSpPr>
+        </p:nvSpPr>
         <p:spPr>
-          <a:xfrm flipH="1" flipV="1">
-            <a:off x="6228184" y="339502"/>
-            <a:ext cx="35476" cy="2979330"/>
-          </a:xfrm>
-          <a:prstGeom prst="line">
+          <a:xfrm>
+            <a:off x="3779192" y="2188840"/>
+            <a:ext cx="936824" cy="576064"/>
+          </a:xfrm>
+          <a:prstGeom prst="ellipse">
             <a:avLst/>
           </a:prstGeom>
-          <a:ln w="28575">
+          <a:noFill/>
+          <a:ln>
             <a:solidFill>
-              <a:schemeClr val="tx2"/>
+              <a:srgbClr val="FF0000"/>
             </a:solidFill>
           </a:ln>
         </p:spPr>
         <p:style>
-          <a:lnRef idx="1">
-            <a:schemeClr val="accent1"/>
+          <a:lnRef idx="2">
+            <a:schemeClr val="accent1">
+              <a:shade val="50000"/>
+            </a:schemeClr>
           </a:lnRef>
-          <a:fillRef idx="0">
+          <a:fillRef idx="1">
             <a:schemeClr val="accent1"/>
           </a:fillRef>
           <a:effectRef idx="0">
             <a:schemeClr val="accent1"/>
           </a:effectRef>
           <a:fontRef idx="minor">
-            <a:schemeClr val="tx1"/>
+            <a:schemeClr val="lt1"/>
           </a:fontRef>
         </p:style>
-      </p:cxnSp>
-      <p:cxnSp>
-        <p:nvCxnSpPr>
-          <p:cNvPr id="36" name="Straight Connector 35"/>
-          <p:cNvCxnSpPr/>
-          <p:nvPr/>
-        </p:nvCxnSpPr>
-        <p:spPr>
-          <a:xfrm>
-            <a:off x="5292080" y="339502"/>
-            <a:ext cx="936104" cy="0"/>
-          </a:xfrm>
-          <a:prstGeom prst="line">
-            <a:avLst/>
-          </a:prstGeom>
-          <a:ln w="28575">
-            <a:solidFill>
-              <a:schemeClr val="tx2"/>
-            </a:solidFill>
-          </a:ln>
-        </p:spPr>
-        <p:style>
-          <a:lnRef idx="1">
-            <a:schemeClr val="accent1"/>
-          </a:lnRef>
-          <a:fillRef idx="0">
-            <a:schemeClr val="accent1"/>
-          </a:fillRef>
-          <a:effectRef idx="0">
-            <a:schemeClr val="accent1"/>
-          </a:effectRef>
-          <a:fontRef idx="minor">
-            <a:schemeClr val="tx1"/>
-          </a:fontRef>
-        </p:style>
-      </p:cxnSp>
-      <p:sp>
-        <p:nvSpPr>
-          <p:cNvPr id="39" name="TextBox 38"/>
-          <p:cNvSpPr txBox="1"/>
-          <p:nvPr/>
-        </p:nvSpPr>
-        <p:spPr>
-          <a:xfrm>
-            <a:off x="6516216" y="1347614"/>
-            <a:ext cx="763351" cy="353943"/>
-          </a:xfrm>
-          <a:prstGeom prst="rect">
-            <a:avLst/>
-          </a:prstGeom>
-          <a:noFill/>
-        </p:spPr>
-        <p:txBody>
-          <a:bodyPr wrap="none" rtlCol="0">
-            <a:spAutoFit/>
-          </a:bodyPr>
-          <a:lstStyle/>
-          <a:p>
-            <a:r>
-              <a:rPr lang="en-GB" dirty="0" smtClean="0"/>
-              <a:t>CLOCK</a:t>
-            </a:r>
-            <a:endParaRPr lang="en-GB" dirty="0"/>
-          </a:p>
-        </p:txBody>
-      </p:sp>
-      <p:sp>
-        <p:nvSpPr>
-          <p:cNvPr id="40" name="TextBox 39"/>
-          <p:cNvSpPr txBox="1"/>
-          <p:nvPr/>
-        </p:nvSpPr>
-        <p:spPr>
-          <a:xfrm>
-            <a:off x="5542776" y="2018546"/>
-            <a:ext cx="641073" cy="353943"/>
-          </a:xfrm>
-          <a:prstGeom prst="rect">
-            <a:avLst/>
-          </a:prstGeom>
-          <a:noFill/>
-        </p:spPr>
-        <p:txBody>
-          <a:bodyPr wrap="none" rtlCol="0">
-            <a:spAutoFit/>
-          </a:bodyPr>
-          <a:lstStyle/>
-          <a:p>
-            <a:r>
-              <a:rPr lang="en-GB" dirty="0" smtClean="0"/>
-              <a:t>DATA</a:t>
-            </a:r>
-            <a:endParaRPr lang="en-GB" dirty="0"/>
-          </a:p>
-        </p:txBody>
-      </p:sp>
-      <p:pic>
-        <p:nvPicPr>
-          <p:cNvPr id="1027" name="Picture 3"/>
-          <p:cNvPicPr>
-            <a:picLocks noChangeAspect="1" noChangeArrowheads="1"/>
-          </p:cNvPicPr>
-          <p:nvPr/>
-        </p:nvPicPr>
-        <p:blipFill>
-          <a:blip r:embed="rId3" cstate="print"/>
-          <a:srcRect t="12335"/>
-          <a:stretch>
-            <a:fillRect/>
-          </a:stretch>
-        </p:blipFill>
-        <p:spPr bwMode="auto">
-          <a:xfrm>
-            <a:off x="827584" y="1707654"/>
-            <a:ext cx="2047875" cy="1294269"/>
-          </a:xfrm>
-          <a:prstGeom prst="rect">
-            <a:avLst/>
-          </a:prstGeom>
-          <a:noFill/>
-          <a:ln w="9525">
-            <a:noFill/>
-            <a:miter lim="800000"/>
-            <a:headEnd/>
-            <a:tailEnd/>
-          </a:ln>
-          <a:effectLst/>
-        </p:spPr>
-      </p:pic>
-      <p:sp>
-        <p:nvSpPr>
-          <p:cNvPr id="41" name="TextBox 40"/>
-          <p:cNvSpPr txBox="1"/>
-          <p:nvPr/>
-        </p:nvSpPr>
-        <p:spPr>
-          <a:xfrm>
-            <a:off x="1244352" y="1402080"/>
-            <a:ext cx="540212" cy="353943"/>
-          </a:xfrm>
-          <a:prstGeom prst="rect">
-            <a:avLst/>
-          </a:prstGeom>
-          <a:noFill/>
-        </p:spPr>
-        <p:txBody>
-          <a:bodyPr wrap="none" rtlCol="0">
-            <a:spAutoFit/>
-          </a:bodyPr>
-          <a:lstStyle/>
-          <a:p>
-            <a:r>
-              <a:rPr lang="en-GB" dirty="0" smtClean="0"/>
-              <a:t>VCC</a:t>
-            </a:r>
-            <a:endParaRPr lang="en-GB" dirty="0"/>
-          </a:p>
-        </p:txBody>
-      </p:sp>
-      <p:pic>
-        <p:nvPicPr>
-          <p:cNvPr id="15" name="Picture 2" descr="PIC18F16Q20-G6X-Regular"/>
-          <p:cNvPicPr>
-            <a:picLocks noChangeAspect="1" noChangeArrowheads="1"/>
-          </p:cNvPicPr>
-          <p:nvPr/>
-        </p:nvPicPr>
-        <p:blipFill>
-          <a:blip r:embed="rId4" cstate="print">
-            <a:extLst>
-              <a:ext uri="{28A0092B-C50C-407E-A947-70E740481C1C}">
-                <a14:useLocalDpi xmlns:a14="http://schemas.microsoft.com/office/drawing/2010/main" val="0"/>
-              </a:ext>
-            </a:extLst>
-          </a:blip>
-          <a:srcRect/>
-          <a:stretch>
-            <a:fillRect/>
-          </a:stretch>
-        </p:blipFill>
-        <p:spPr bwMode="auto">
-          <a:xfrm>
-            <a:off x="5181600" y="3579862"/>
-            <a:ext cx="2327055" cy="1303151"/>
-          </a:xfrm>
-          <a:prstGeom prst="rect">
-            <a:avLst/>
-          </a:prstGeom>
-          <a:noFill/>
-          <a:extLst>
-            <a:ext uri="{909E8E84-426E-40DD-AFC4-6F175D3DCCD1}">
-              <a14:hiddenFill xmlns:a14="http://schemas.microsoft.com/office/drawing/2010/main">
-                <a:solidFill>
-                  <a:srgbClr val="FFFFFF"/>
-                </a:solidFill>
-              </a14:hiddenFill>
-            </a:ext>
-          </a:extLst>
-        </p:spPr>
-      </p:pic>
+        <p:txBody>
+          <a:bodyPr rtlCol="0" anchor="ctr"/>
+          <a:lstStyle/>
+          <a:p>
+            <a:pPr algn="ctr"/>
+            <a:endParaRPr lang="en-GB"/>
+          </a:p>
+        </p:txBody>
+      </p:sp>
     </p:spTree>
+    <p:extLst>
+      <p:ext uri="{BB962C8B-B14F-4D97-AF65-F5344CB8AC3E}">
+        <p14:creationId xmlns:p14="http://schemas.microsoft.com/office/powerpoint/2010/main" val="2129275741"/>
+      </p:ext>
+    </p:extLst>
   </p:cSld>
   <p:clrMapOvr>
     <a:masterClrMapping/>
@@ -7290,7 +7125,7 @@
       </p:grpSpPr>
       <p:sp>
         <p:nvSpPr>
-          <p:cNvPr id="15" name="Title 1"/>
+          <p:cNvPr id="2" name="Title 1"/>
           <p:cNvSpPr>
             <a:spLocks noGrp="1"/>
           </p:cNvSpPr>
@@ -7300,28 +7135,18 @@
         </p:nvSpPr>
         <p:spPr>
           <a:xfrm>
-            <a:off x="4" y="0"/>
+            <a:off x="2" y="1"/>
             <a:ext cx="8229601" cy="857250"/>
           </a:xfrm>
         </p:spPr>
         <p:txBody>
-          <a:bodyPr vert="horz" lIns="85064" tIns="42531" rIns="85064" bIns="42531" rtlCol="0" anchor="ctr">
-            <a:normAutofit/>
-          </a:bodyPr>
+          <a:bodyPr/>
           <a:lstStyle/>
           <a:p>
             <a:pPr algn="l"/>
             <a:r>
               <a:rPr lang="en-GB" dirty="0" smtClean="0"/>
-              <a:t>I</a:t>
-            </a:r>
-            <a:r>
-              <a:rPr lang="en-GB" baseline="30000" dirty="0" smtClean="0"/>
-              <a:t>2</a:t>
-            </a:r>
-            <a:r>
-              <a:rPr lang="en-GB" dirty="0" smtClean="0"/>
-              <a:t>C</a:t>
+              <a:t>Setup</a:t>
             </a:r>
             <a:endParaRPr lang="en-GB" dirty="0"/>
           </a:p>
@@ -7329,7 +7154,7 @@
       </p:sp>
       <p:pic>
         <p:nvPicPr>
-          <p:cNvPr id="2051" name="Picture 3"/>
+          <p:cNvPr id="3" name="Picture 2"/>
           <p:cNvPicPr>
             <a:picLocks noChangeAspect="1" noChangeArrowheads="1"/>
           </p:cNvPicPr>
@@ -7344,8 +7169,8 @@
         </p:blipFill>
         <p:spPr bwMode="auto">
           <a:xfrm>
-            <a:off x="107504" y="699542"/>
-            <a:ext cx="4953000" cy="2857500"/>
+            <a:off x="4139952" y="0"/>
+            <a:ext cx="1910822" cy="2160836"/>
           </a:xfrm>
           <a:prstGeom prst="rect">
             <a:avLst/>
@@ -7360,9 +7185,279 @@
           <a:effectLst/>
         </p:spPr>
       </p:pic>
+      <p:cxnSp>
+        <p:nvCxnSpPr>
+          <p:cNvPr id="16" name="Straight Connector 15"/>
+          <p:cNvCxnSpPr/>
+          <p:nvPr/>
+        </p:nvCxnSpPr>
+        <p:spPr>
+          <a:xfrm flipV="1">
+            <a:off x="5181600" y="96396"/>
+            <a:ext cx="0" cy="432048"/>
+          </a:xfrm>
+          <a:prstGeom prst="line">
+            <a:avLst/>
+          </a:prstGeom>
+          <a:ln w="28575">
+            <a:solidFill>
+              <a:srgbClr val="FFFF00"/>
+            </a:solidFill>
+          </a:ln>
+        </p:spPr>
+        <p:style>
+          <a:lnRef idx="1">
+            <a:schemeClr val="accent1"/>
+          </a:lnRef>
+          <a:fillRef idx="0">
+            <a:schemeClr val="accent1"/>
+          </a:fillRef>
+          <a:effectRef idx="0">
+            <a:schemeClr val="accent1"/>
+          </a:effectRef>
+          <a:fontRef idx="minor">
+            <a:schemeClr val="tx1"/>
+          </a:fontRef>
+        </p:style>
+      </p:cxnSp>
+      <p:cxnSp>
+        <p:nvCxnSpPr>
+          <p:cNvPr id="20" name="Straight Connector 19"/>
+          <p:cNvCxnSpPr/>
+          <p:nvPr/>
+        </p:nvCxnSpPr>
+        <p:spPr>
+          <a:xfrm>
+            <a:off x="5188848" y="106680"/>
+            <a:ext cx="1265292" cy="0"/>
+          </a:xfrm>
+          <a:prstGeom prst="line">
+            <a:avLst/>
+          </a:prstGeom>
+          <a:ln w="28575">
+            <a:solidFill>
+              <a:srgbClr val="FFFF00"/>
+            </a:solidFill>
+          </a:ln>
+        </p:spPr>
+        <p:style>
+          <a:lnRef idx="1">
+            <a:schemeClr val="accent1"/>
+          </a:lnRef>
+          <a:fillRef idx="0">
+            <a:schemeClr val="accent1"/>
+          </a:fillRef>
+          <a:effectRef idx="0">
+            <a:schemeClr val="accent1"/>
+          </a:effectRef>
+          <a:fontRef idx="minor">
+            <a:schemeClr val="tx1"/>
+          </a:fontRef>
+        </p:style>
+      </p:cxnSp>
+      <p:cxnSp>
+        <p:nvCxnSpPr>
+          <p:cNvPr id="23" name="Straight Connector 22"/>
+          <p:cNvCxnSpPr/>
+          <p:nvPr/>
+        </p:nvCxnSpPr>
+        <p:spPr>
+          <a:xfrm flipH="1" flipV="1">
+            <a:off x="6446520" y="114300"/>
+            <a:ext cx="52144" cy="3249538"/>
+          </a:xfrm>
+          <a:prstGeom prst="line">
+            <a:avLst/>
+          </a:prstGeom>
+          <a:ln w="28575">
+            <a:solidFill>
+              <a:srgbClr val="FFFF00"/>
+            </a:solidFill>
+          </a:ln>
+        </p:spPr>
+        <p:style>
+          <a:lnRef idx="1">
+            <a:schemeClr val="accent1"/>
+          </a:lnRef>
+          <a:fillRef idx="0">
+            <a:schemeClr val="accent1"/>
+          </a:fillRef>
+          <a:effectRef idx="0">
+            <a:schemeClr val="accent1"/>
+          </a:effectRef>
+          <a:fontRef idx="minor">
+            <a:schemeClr val="tx1"/>
+          </a:fontRef>
+        </p:style>
+      </p:cxnSp>
+      <p:cxnSp>
+        <p:nvCxnSpPr>
+          <p:cNvPr id="29" name="Straight Connector 28"/>
+          <p:cNvCxnSpPr/>
+          <p:nvPr/>
+        </p:nvCxnSpPr>
+        <p:spPr>
+          <a:xfrm flipH="1" flipV="1">
+            <a:off x="5303520" y="350520"/>
+            <a:ext cx="11440" cy="167610"/>
+          </a:xfrm>
+          <a:prstGeom prst="line">
+            <a:avLst/>
+          </a:prstGeom>
+          <a:ln w="28575">
+            <a:solidFill>
+              <a:schemeClr val="tx2"/>
+            </a:solidFill>
+          </a:ln>
+        </p:spPr>
+        <p:style>
+          <a:lnRef idx="1">
+            <a:schemeClr val="accent1"/>
+          </a:lnRef>
+          <a:fillRef idx="0">
+            <a:schemeClr val="accent1"/>
+          </a:fillRef>
+          <a:effectRef idx="0">
+            <a:schemeClr val="accent1"/>
+          </a:effectRef>
+          <a:fontRef idx="minor">
+            <a:schemeClr val="tx1"/>
+          </a:fontRef>
+        </p:style>
+      </p:cxnSp>
+      <p:cxnSp>
+        <p:nvCxnSpPr>
+          <p:cNvPr id="34" name="Straight Connector 33"/>
+          <p:cNvCxnSpPr/>
+          <p:nvPr/>
+        </p:nvCxnSpPr>
+        <p:spPr>
+          <a:xfrm flipH="1" flipV="1">
+            <a:off x="6228184" y="339502"/>
+            <a:ext cx="35476" cy="2979330"/>
+          </a:xfrm>
+          <a:prstGeom prst="line">
+            <a:avLst/>
+          </a:prstGeom>
+          <a:ln w="28575">
+            <a:solidFill>
+              <a:schemeClr val="tx2"/>
+            </a:solidFill>
+          </a:ln>
+        </p:spPr>
+        <p:style>
+          <a:lnRef idx="1">
+            <a:schemeClr val="accent1"/>
+          </a:lnRef>
+          <a:fillRef idx="0">
+            <a:schemeClr val="accent1"/>
+          </a:fillRef>
+          <a:effectRef idx="0">
+            <a:schemeClr val="accent1"/>
+          </a:effectRef>
+          <a:fontRef idx="minor">
+            <a:schemeClr val="tx1"/>
+          </a:fontRef>
+        </p:style>
+      </p:cxnSp>
+      <p:cxnSp>
+        <p:nvCxnSpPr>
+          <p:cNvPr id="36" name="Straight Connector 35"/>
+          <p:cNvCxnSpPr/>
+          <p:nvPr/>
+        </p:nvCxnSpPr>
+        <p:spPr>
+          <a:xfrm>
+            <a:off x="5292080" y="339502"/>
+            <a:ext cx="936104" cy="0"/>
+          </a:xfrm>
+          <a:prstGeom prst="line">
+            <a:avLst/>
+          </a:prstGeom>
+          <a:ln w="28575">
+            <a:solidFill>
+              <a:schemeClr val="tx2"/>
+            </a:solidFill>
+          </a:ln>
+        </p:spPr>
+        <p:style>
+          <a:lnRef idx="1">
+            <a:schemeClr val="accent1"/>
+          </a:lnRef>
+          <a:fillRef idx="0">
+            <a:schemeClr val="accent1"/>
+          </a:fillRef>
+          <a:effectRef idx="0">
+            <a:schemeClr val="accent1"/>
+          </a:effectRef>
+          <a:fontRef idx="minor">
+            <a:schemeClr val="tx1"/>
+          </a:fontRef>
+        </p:style>
+      </p:cxnSp>
+      <p:sp>
+        <p:nvSpPr>
+          <p:cNvPr id="39" name="TextBox 38"/>
+          <p:cNvSpPr txBox="1"/>
+          <p:nvPr/>
+        </p:nvSpPr>
+        <p:spPr>
+          <a:xfrm>
+            <a:off x="6516216" y="1347614"/>
+            <a:ext cx="763351" cy="353943"/>
+          </a:xfrm>
+          <a:prstGeom prst="rect">
+            <a:avLst/>
+          </a:prstGeom>
+          <a:noFill/>
+        </p:spPr>
+        <p:txBody>
+          <a:bodyPr wrap="none" rtlCol="0">
+            <a:spAutoFit/>
+          </a:bodyPr>
+          <a:lstStyle/>
+          <a:p>
+            <a:r>
+              <a:rPr lang="en-GB" dirty="0" smtClean="0"/>
+              <a:t>CLOCK</a:t>
+            </a:r>
+            <a:endParaRPr lang="en-GB" dirty="0"/>
+          </a:p>
+        </p:txBody>
+      </p:sp>
+      <p:sp>
+        <p:nvSpPr>
+          <p:cNvPr id="40" name="TextBox 39"/>
+          <p:cNvSpPr txBox="1"/>
+          <p:nvPr/>
+        </p:nvSpPr>
+        <p:spPr>
+          <a:xfrm>
+            <a:off x="5542776" y="2018546"/>
+            <a:ext cx="641073" cy="353943"/>
+          </a:xfrm>
+          <a:prstGeom prst="rect">
+            <a:avLst/>
+          </a:prstGeom>
+          <a:noFill/>
+        </p:spPr>
+        <p:txBody>
+          <a:bodyPr wrap="none" rtlCol="0">
+            <a:spAutoFit/>
+          </a:bodyPr>
+          <a:lstStyle/>
+          <a:p>
+            <a:r>
+              <a:rPr lang="en-GB" dirty="0" smtClean="0"/>
+              <a:t>DATA</a:t>
+            </a:r>
+            <a:endParaRPr lang="en-GB" dirty="0"/>
+          </a:p>
+        </p:txBody>
+      </p:sp>
       <p:pic>
         <p:nvPicPr>
-          <p:cNvPr id="2052" name="Picture 4"/>
+          <p:cNvPr id="1027" name="Picture 3"/>
           <p:cNvPicPr>
             <a:picLocks noChangeAspect="1" noChangeArrowheads="1"/>
           </p:cNvPicPr>
@@ -7370,15 +7465,15 @@
         </p:nvPicPr>
         <p:blipFill>
           <a:blip r:embed="rId3" cstate="print"/>
-          <a:srcRect/>
+          <a:srcRect t="12335"/>
           <a:stretch>
             <a:fillRect/>
           </a:stretch>
         </p:blipFill>
         <p:spPr bwMode="auto">
           <a:xfrm>
-            <a:off x="3131840" y="1419622"/>
-            <a:ext cx="4896544" cy="3569061"/>
+            <a:off x="827584" y="1707654"/>
+            <a:ext cx="2047875" cy="1294269"/>
           </a:xfrm>
           <a:prstGeom prst="rect">
             <a:avLst/>
@@ -7393,16 +7488,52 @@
           <a:effectLst/>
         </p:spPr>
       </p:pic>
+      <p:sp>
+        <p:nvSpPr>
+          <p:cNvPr id="41" name="TextBox 40"/>
+          <p:cNvSpPr txBox="1"/>
+          <p:nvPr/>
+        </p:nvSpPr>
+        <p:spPr>
+          <a:xfrm>
+            <a:off x="1244352" y="1402080"/>
+            <a:ext cx="540212" cy="353943"/>
+          </a:xfrm>
+          <a:prstGeom prst="rect">
+            <a:avLst/>
+          </a:prstGeom>
+          <a:noFill/>
+        </p:spPr>
+        <p:txBody>
+          <a:bodyPr wrap="none" rtlCol="0">
+            <a:spAutoFit/>
+          </a:bodyPr>
+          <a:lstStyle/>
+          <a:p>
+            <a:r>
+              <a:rPr lang="en-GB" dirty="0" smtClean="0"/>
+              <a:t>VCC</a:t>
+            </a:r>
+            <a:endParaRPr lang="en-GB" dirty="0"/>
+          </a:p>
+        </p:txBody>
+      </p:sp>
       <p:pic>
         <p:nvPicPr>
-          <p:cNvPr id="2050" name="Picture 2"/>
+          <p:cNvPr id="15" name="Picture 2" descr="PIC18F16Q20-G6X-Regular"/>
           <p:cNvPicPr>
             <a:picLocks noChangeAspect="1" noChangeArrowheads="1"/>
           </p:cNvPicPr>
           <p:nvPr/>
         </p:nvPicPr>
         <p:blipFill>
-          <a:blip r:embed="rId4" cstate="print"/>
+          <a:blip r:embed="rId4" cstate="print">
+            <a:extLst>
+              <a:ext uri="{28A0092B-C50C-407E-A947-70E740481C1C}">
+                <a14:useLocalDpi xmlns:a14="http://schemas.microsoft.com/office/drawing/2010/main" val="0"/>
+              </a:ext>
+            </a:extLst>
+          </a:blip>
           <a:srcRect/>
           <a:stretch>
             <a:fillRect/>
@@ -7410,28 +7541,25 @@
         </p:blipFill>
         <p:spPr bwMode="auto">
           <a:xfrm>
-            <a:off x="6948264" y="123478"/>
-            <a:ext cx="2088282" cy="1215402"/>
+            <a:off x="5181600" y="3579862"/>
+            <a:ext cx="2327055" cy="1303151"/>
           </a:xfrm>
           <a:prstGeom prst="rect">
             <a:avLst/>
           </a:prstGeom>
           <a:noFill/>
-          <a:ln w="9525">
-            <a:noFill/>
-            <a:miter lim="800000"/>
-            <a:headEnd/>
-            <a:tailEnd/>
-          </a:ln>
-          <a:effectLst/>
+          <a:extLst>
+            <a:ext uri="{909E8E84-426E-40DD-AFC4-6F175D3DCCD1}">
+              <a14:hiddenFill xmlns:a14="http://schemas.microsoft.com/office/drawing/2010/main">
+                <a:solidFill>
+                  <a:srgbClr val="FFFFFF"/>
+                </a:solidFill>
+              </a14:hiddenFill>
+            </a:ext>
+          </a:extLst>
         </p:spPr>
       </p:pic>
     </p:spTree>
-    <p:extLst>
-      <p:ext uri="{BB962C8B-B14F-4D97-AF65-F5344CB8AC3E}">
-        <p14:creationId xmlns:p14="http://schemas.microsoft.com/office/powerpoint/2010/main" val="718332189"/>
-      </p:ext>
-    </p:extLst>
   </p:cSld>
   <p:clrMapOvr>
     <a:masterClrMapping/>
@@ -7466,7 +7594,7 @@
       </p:grpSpPr>
       <p:sp>
         <p:nvSpPr>
-          <p:cNvPr id="2" name="Title 1"/>
+          <p:cNvPr id="15" name="Title 1"/>
           <p:cNvSpPr>
             <a:spLocks noGrp="1"/>
           </p:cNvSpPr>
@@ -7474,7 +7602,12 @@
             <p:ph type="title"/>
           </p:nvPr>
         </p:nvSpPr>
-        <p:spPr/>
+        <p:spPr>
+          <a:xfrm>
+            <a:off x="4" y="0"/>
+            <a:ext cx="8229601" cy="857250"/>
+          </a:xfrm>
+        </p:spPr>
         <p:txBody>
           <a:bodyPr vert="horz" lIns="85064" tIns="42531" rIns="85064" bIns="42531" rtlCol="0" anchor="ctr">
             <a:normAutofit/>
@@ -7484,41 +7617,7 @@
             <a:pPr algn="l"/>
             <a:r>
               <a:rPr lang="en-GB" dirty="0" smtClean="0"/>
-              <a:t>Lab</a:t>
-            </a:r>
-          </a:p>
-        </p:txBody>
-      </p:sp>
-      <p:sp>
-        <p:nvSpPr>
-          <p:cNvPr id="4" name="Content Placeholder 2"/>
-          <p:cNvSpPr>
-            <a:spLocks noGrp="1"/>
-          </p:cNvSpPr>
-          <p:nvPr>
-            <p:ph idx="1"/>
-          </p:nvPr>
-        </p:nvSpPr>
-        <p:spPr>
-          <a:xfrm>
-            <a:off x="457202" y="1200151"/>
-            <a:ext cx="8229601" cy="3394472"/>
-          </a:xfrm>
-        </p:spPr>
-        <p:txBody>
-          <a:bodyPr/>
-          <a:lstStyle/>
-          <a:p>
-            <a:r>
-              <a:rPr lang="en-GB" dirty="0" smtClean="0"/>
-              <a:t>Examine the sample code</a:t>
-            </a:r>
-          </a:p>
-          <a:p>
-            <a:pPr lvl="1"/>
-            <a:r>
-              <a:rPr lang="en-GB" dirty="0" smtClean="0"/>
-              <a:t>Using PPS select the I</a:t>
+              <a:t>I</a:t>
             </a:r>
             <a:r>
               <a:rPr lang="en-GB" baseline="30000" dirty="0" smtClean="0"/>
@@ -7526,49 +7625,117 @@
             </a:r>
             <a:r>
               <a:rPr lang="en-GB" dirty="0" smtClean="0"/>
-              <a:t>C ports</a:t>
-            </a:r>
-          </a:p>
-          <a:p>
-            <a:pPr lvl="1"/>
-            <a:r>
-              <a:rPr lang="en-GB" dirty="0" smtClean="0"/>
-              <a:t>Using PPS select the serial USART port</a:t>
-            </a:r>
-          </a:p>
-          <a:p>
-            <a:pPr lvl="1"/>
-            <a:r>
-              <a:rPr lang="en-GB" dirty="0" smtClean="0"/>
-              <a:t>Set up the I</a:t>
-            </a:r>
-            <a:r>
-              <a:rPr lang="en-GB" baseline="30000" dirty="0" smtClean="0"/>
-              <a:t>2</a:t>
-            </a:r>
-            <a:r>
-              <a:rPr lang="en-GB" dirty="0" smtClean="0"/>
-              <a:t>C </a:t>
-            </a:r>
-          </a:p>
-          <a:p>
-            <a:pPr lvl="1"/>
-            <a:r>
-              <a:rPr lang="en-GB" dirty="0" smtClean="0"/>
-              <a:t>Review the code</a:t>
-            </a:r>
-          </a:p>
-          <a:p>
-            <a:pPr lvl="1"/>
-            <a:r>
-              <a:rPr lang="en-GB" dirty="0" smtClean="0"/>
-              <a:t>See the results</a:t>
+              <a:t>C</a:t>
             </a:r>
             <a:endParaRPr lang="en-GB" dirty="0"/>
           </a:p>
         </p:txBody>
       </p:sp>
+      <p:pic>
+        <p:nvPicPr>
+          <p:cNvPr id="2051" name="Picture 3"/>
+          <p:cNvPicPr>
+            <a:picLocks noChangeAspect="1" noChangeArrowheads="1"/>
+          </p:cNvPicPr>
+          <p:nvPr/>
+        </p:nvPicPr>
+        <p:blipFill>
+          <a:blip r:embed="rId2" cstate="print"/>
+          <a:srcRect/>
+          <a:stretch>
+            <a:fillRect/>
+          </a:stretch>
+        </p:blipFill>
+        <p:spPr bwMode="auto">
+          <a:xfrm>
+            <a:off x="107504" y="699542"/>
+            <a:ext cx="4953000" cy="2857500"/>
+          </a:xfrm>
+          <a:prstGeom prst="rect">
+            <a:avLst/>
+          </a:prstGeom>
+          <a:noFill/>
+          <a:ln w="9525">
+            <a:noFill/>
+            <a:miter lim="800000"/>
+            <a:headEnd/>
+            <a:tailEnd/>
+          </a:ln>
+          <a:effectLst/>
+        </p:spPr>
+      </p:pic>
+      <p:pic>
+        <p:nvPicPr>
+          <p:cNvPr id="2052" name="Picture 4"/>
+          <p:cNvPicPr>
+            <a:picLocks noChangeAspect="1" noChangeArrowheads="1"/>
+          </p:cNvPicPr>
+          <p:nvPr/>
+        </p:nvPicPr>
+        <p:blipFill>
+          <a:blip r:embed="rId3" cstate="print"/>
+          <a:srcRect/>
+          <a:stretch>
+            <a:fillRect/>
+          </a:stretch>
+        </p:blipFill>
+        <p:spPr bwMode="auto">
+          <a:xfrm>
+            <a:off x="3131840" y="1419622"/>
+            <a:ext cx="4896544" cy="3569061"/>
+          </a:xfrm>
+          <a:prstGeom prst="rect">
+            <a:avLst/>
+          </a:prstGeom>
+          <a:noFill/>
+          <a:ln w="9525">
+            <a:noFill/>
+            <a:miter lim="800000"/>
+            <a:headEnd/>
+            <a:tailEnd/>
+          </a:ln>
+          <a:effectLst/>
+        </p:spPr>
+      </p:pic>
+      <p:pic>
+        <p:nvPicPr>
+          <p:cNvPr id="2050" name="Picture 2"/>
+          <p:cNvPicPr>
+            <a:picLocks noChangeAspect="1" noChangeArrowheads="1"/>
+          </p:cNvPicPr>
+          <p:nvPr/>
+        </p:nvPicPr>
+        <p:blipFill>
+          <a:blip r:embed="rId4" cstate="print"/>
+          <a:srcRect/>
+          <a:stretch>
+            <a:fillRect/>
+          </a:stretch>
+        </p:blipFill>
+        <p:spPr bwMode="auto">
+          <a:xfrm>
+            <a:off x="6948264" y="123478"/>
+            <a:ext cx="2088282" cy="1215402"/>
+          </a:xfrm>
+          <a:prstGeom prst="rect">
+            <a:avLst/>
+          </a:prstGeom>
+          <a:noFill/>
+          <a:ln w="9525">
+            <a:noFill/>
+            <a:miter lim="800000"/>
+            <a:headEnd/>
+            <a:tailEnd/>
+          </a:ln>
+          <a:effectLst/>
+        </p:spPr>
+      </p:pic>
     </p:spTree>
+    <p:extLst>
+      <p:ext uri="{BB962C8B-B14F-4D97-AF65-F5344CB8AC3E}">
+        <p14:creationId xmlns:p14="http://schemas.microsoft.com/office/powerpoint/2010/main" val="718332189"/>
+      </p:ext>
+    </p:extLst>
   </p:cSld>
   <p:clrMapOvr>
     <a:masterClrMapping/>
